--- a/Consumer Loan Securitization Review.pptx
+++ b/Consumer Loan Securitization Review.pptx
@@ -5,10 +5,10 @@
     <p:sldMasterId id="2147483658" r:id="rId4"/>
   </p:sldMasterIdLst>
   <p:notesMasterIdLst>
-    <p:notesMasterId r:id="rId27"/>
+    <p:notesMasterId r:id="rId26"/>
   </p:notesMasterIdLst>
   <p:handoutMasterIdLst>
-    <p:handoutMasterId r:id="rId28"/>
+    <p:handoutMasterId r:id="rId27"/>
   </p:handoutMasterIdLst>
   <p:sldIdLst>
     <p:sldId id="350" r:id="rId5"/>
@@ -17,22 +17,21 @@
     <p:sldId id="353" r:id="rId8"/>
     <p:sldId id="365" r:id="rId9"/>
     <p:sldId id="367" r:id="rId10"/>
-    <p:sldId id="368" r:id="rId11"/>
-    <p:sldId id="371" r:id="rId12"/>
-    <p:sldId id="370" r:id="rId13"/>
-    <p:sldId id="373" r:id="rId14"/>
-    <p:sldId id="377" r:id="rId15"/>
-    <p:sldId id="376" r:id="rId16"/>
-    <p:sldId id="374" r:id="rId17"/>
-    <p:sldId id="375" r:id="rId18"/>
-    <p:sldId id="378" r:id="rId19"/>
-    <p:sldId id="379" r:id="rId20"/>
-    <p:sldId id="385" r:id="rId21"/>
-    <p:sldId id="380" r:id="rId22"/>
-    <p:sldId id="383" r:id="rId23"/>
-    <p:sldId id="381" r:id="rId24"/>
-    <p:sldId id="382" r:id="rId25"/>
-    <p:sldId id="384" r:id="rId26"/>
+    <p:sldId id="371" r:id="rId11"/>
+    <p:sldId id="370" r:id="rId12"/>
+    <p:sldId id="373" r:id="rId13"/>
+    <p:sldId id="377" r:id="rId14"/>
+    <p:sldId id="376" r:id="rId15"/>
+    <p:sldId id="374" r:id="rId16"/>
+    <p:sldId id="375" r:id="rId17"/>
+    <p:sldId id="378" r:id="rId18"/>
+    <p:sldId id="379" r:id="rId19"/>
+    <p:sldId id="385" r:id="rId20"/>
+    <p:sldId id="380" r:id="rId21"/>
+    <p:sldId id="383" r:id="rId22"/>
+    <p:sldId id="381" r:id="rId23"/>
+    <p:sldId id="382" r:id="rId24"/>
+    <p:sldId id="384" r:id="rId25"/>
   </p:sldIdLst>
   <p:sldSz cx="12192000" cy="6858000"/>
   <p:notesSz cx="6858000" cy="9144000"/>
@@ -153,7 +152,7 @@
   <pc:docChgLst>
     <pc:chgData name="Mathew Simons" userId="c9a2edfe12abe1ef" providerId="LiveId" clId="{85AE21B7-F434-4BFB-AFA3-B0D64513760B}"/>
     <pc:docChg chg="undo custSel addSld delSld modSld sldOrd">
-      <pc:chgData name="Mathew Simons" userId="c9a2edfe12abe1ef" providerId="LiveId" clId="{85AE21B7-F434-4BFB-AFA3-B0D64513760B}" dt="2023-11-11T21:48:24.183" v="3248" actId="20577"/>
+      <pc:chgData name="Mathew Simons" userId="c9a2edfe12abe1ef" providerId="LiveId" clId="{85AE21B7-F434-4BFB-AFA3-B0D64513760B}" dt="2023-11-14T01:00:37.617" v="3384" actId="47"/>
       <pc:docMkLst>
         <pc:docMk/>
       </pc:docMkLst>
@@ -290,8 +289,8 @@
           <pc:sldMk cId="3819334901" sldId="367"/>
         </pc:sldMkLst>
       </pc:sldChg>
-      <pc:sldChg chg="addSp delSp modSp new mod modTransition">
-        <pc:chgData name="Mathew Simons" userId="c9a2edfe12abe1ef" providerId="LiveId" clId="{85AE21B7-F434-4BFB-AFA3-B0D64513760B}" dt="2023-11-11T14:05:21.223" v="794" actId="478"/>
+      <pc:sldChg chg="addSp delSp modSp new del mod modTransition modNotesTx">
+        <pc:chgData name="Mathew Simons" userId="c9a2edfe12abe1ef" providerId="LiveId" clId="{85AE21B7-F434-4BFB-AFA3-B0D64513760B}" dt="2023-11-14T01:00:37.617" v="3384" actId="47"/>
         <pc:sldMkLst>
           <pc:docMk/>
           <pc:sldMk cId="34324083" sldId="368"/>
@@ -692,13 +691,13 @@
         </pc:sldMkLst>
       </pc:sldChg>
       <pc:sldChg chg="modSp new mod">
-        <pc:chgData name="Mathew Simons" userId="c9a2edfe12abe1ef" providerId="LiveId" clId="{85AE21B7-F434-4BFB-AFA3-B0D64513760B}" dt="2023-11-11T14:27:00.560" v="1241" actId="20577"/>
+        <pc:chgData name="Mathew Simons" userId="c9a2edfe12abe1ef" providerId="LiveId" clId="{85AE21B7-F434-4BFB-AFA3-B0D64513760B}" dt="2023-11-13T13:18:46.696" v="3322" actId="20577"/>
         <pc:sldMkLst>
           <pc:docMk/>
           <pc:sldMk cId="407369832" sldId="373"/>
         </pc:sldMkLst>
         <pc:spChg chg="mod">
-          <ac:chgData name="Mathew Simons" userId="c9a2edfe12abe1ef" providerId="LiveId" clId="{85AE21B7-F434-4BFB-AFA3-B0D64513760B}" dt="2023-11-11T14:27:00.560" v="1241" actId="20577"/>
+          <ac:chgData name="Mathew Simons" userId="c9a2edfe12abe1ef" providerId="LiveId" clId="{85AE21B7-F434-4BFB-AFA3-B0D64513760B}" dt="2023-11-13T13:18:46.696" v="3322" actId="20577"/>
           <ac:spMkLst>
             <pc:docMk/>
             <pc:sldMk cId="407369832" sldId="373"/>
@@ -728,8 +727,8 @@
           <pc:sldMk cId="1973559106" sldId="373"/>
         </pc:sldMkLst>
       </pc:sldChg>
-      <pc:sldChg chg="addSp delSp modSp new mod">
-        <pc:chgData name="Mathew Simons" userId="c9a2edfe12abe1ef" providerId="LiveId" clId="{85AE21B7-F434-4BFB-AFA3-B0D64513760B}" dt="2023-11-11T19:24:38.825" v="2285" actId="1076"/>
+      <pc:sldChg chg="addSp delSp modSp new mod modNotesTx">
+        <pc:chgData name="Mathew Simons" userId="c9a2edfe12abe1ef" providerId="LiveId" clId="{85AE21B7-F434-4BFB-AFA3-B0D64513760B}" dt="2023-11-13T13:26:06.660" v="3383" actId="20577"/>
         <pc:sldMkLst>
           <pc:docMk/>
           <pc:sldMk cId="179098609" sldId="374"/>
@@ -822,8 +821,8 @@
           </ac:picMkLst>
         </pc:picChg>
       </pc:sldChg>
-      <pc:sldChg chg="addSp modSp new mod ord">
-        <pc:chgData name="Mathew Simons" userId="c9a2edfe12abe1ef" providerId="LiveId" clId="{85AE21B7-F434-4BFB-AFA3-B0D64513760B}" dt="2023-11-11T17:19:09.157" v="1657"/>
+      <pc:sldChg chg="addSp modSp new mod ord modNotesTx">
+        <pc:chgData name="Mathew Simons" userId="c9a2edfe12abe1ef" providerId="LiveId" clId="{85AE21B7-F434-4BFB-AFA3-B0D64513760B}" dt="2023-11-13T13:23:45.567" v="3357" actId="20577"/>
         <pc:sldMkLst>
           <pc:docMk/>
           <pc:sldMk cId="1305009826" sldId="376"/>
@@ -1398,7 +1397,7 @@
           <a:p>
             <a:fld id="{6EE7A52F-9D89-7442-A8E9-48D1527B5F6B}" type="datetimeFigureOut">
               <a:rPr lang="en-US" smtClean="0"/>
-              <a:t>11/11/2023</a:t>
+              <a:t>11/13/2023</a:t>
             </a:fld>
             <a:endParaRPr lang="en-US" dirty="0"/>
           </a:p>
@@ -1814,7 +1813,7 @@
           <a:p>
             <a:fld id="{A89C7E07-3C67-C64C-8DA0-0404F6303970}" type="slidenum">
               <a:rPr lang="en-US" smtClean="0"/>
-              <a:t>9</a:t>
+              <a:t>8</a:t>
             </a:fld>
             <a:endParaRPr lang="en-US" dirty="0"/>
           </a:p>
@@ -1877,7 +1876,10 @@
           <a:bodyPr/>
           <a:lstStyle/>
           <a:p>
-            <a:endParaRPr lang="en-US" dirty="0"/>
+            <a:r>
+              <a:rPr lang="en-US" dirty="0"/>
+              <a:t>Ups and downs that are not uniform</a:t>
+            </a:r>
           </a:p>
         </p:txBody>
       </p:sp>
@@ -1898,7 +1900,178 @@
           <a:p>
             <a:fld id="{A89C7E07-3C67-C64C-8DA0-0404F6303970}" type="slidenum">
               <a:rPr lang="en-US" smtClean="0"/>
-              <a:t>15</a:t>
+              <a:t>11</a:t>
+            </a:fld>
+            <a:endParaRPr lang="en-US" dirty="0"/>
+          </a:p>
+        </p:txBody>
+      </p:sp>
+    </p:spTree>
+    <p:extLst>
+      <p:ext uri="{BB962C8B-B14F-4D97-AF65-F5344CB8AC3E}">
+        <p14:creationId xmlns:p14="http://schemas.microsoft.com/office/powerpoint/2010/main" val="2538823908"/>
+      </p:ext>
+    </p:extLst>
+  </p:cSld>
+  <p:clrMapOvr>
+    <a:masterClrMapping/>
+  </p:clrMapOvr>
+</p:notes>
+</file>
+
+<file path=ppt/notesSlides/notesSlide4.xml><?xml version="1.0" encoding="utf-8"?>
+<p:notes xmlns:a="http://schemas.openxmlformats.org/drawingml/2006/main" xmlns:r="http://schemas.openxmlformats.org/officeDocument/2006/relationships" xmlns:p="http://schemas.openxmlformats.org/presentationml/2006/main">
+  <p:cSld>
+    <p:spTree>
+      <p:nvGrpSpPr>
+        <p:cNvPr id="1" name=""/>
+        <p:cNvGrpSpPr/>
+        <p:nvPr/>
+      </p:nvGrpSpPr>
+      <p:grpSpPr>
+        <a:xfrm>
+          <a:off x="0" y="0"/>
+          <a:ext cx="0" cy="0"/>
+          <a:chOff x="0" y="0"/>
+          <a:chExt cx="0" cy="0"/>
+        </a:xfrm>
+      </p:grpSpPr>
+      <p:sp>
+        <p:nvSpPr>
+          <p:cNvPr id="2" name="Slide Image Placeholder 1"/>
+          <p:cNvSpPr>
+            <a:spLocks noGrp="1" noRot="1" noChangeAspect="1"/>
+          </p:cNvSpPr>
+          <p:nvPr>
+            <p:ph type="sldImg"/>
+          </p:nvPr>
+        </p:nvSpPr>
+        <p:spPr/>
+      </p:sp>
+      <p:sp>
+        <p:nvSpPr>
+          <p:cNvPr id="3" name="Notes Placeholder 2"/>
+          <p:cNvSpPr>
+            <a:spLocks noGrp="1"/>
+          </p:cNvSpPr>
+          <p:nvPr>
+            <p:ph type="body" idx="1"/>
+          </p:nvPr>
+        </p:nvSpPr>
+        <p:spPr/>
+        <p:txBody>
+          <a:bodyPr/>
+          <a:lstStyle/>
+          <a:p>
+            <a:r>
+              <a:rPr lang="en-US" dirty="0"/>
+              <a:t>Add y and x axis titles</a:t>
+            </a:r>
+          </a:p>
+        </p:txBody>
+      </p:sp>
+      <p:sp>
+        <p:nvSpPr>
+          <p:cNvPr id="4" name="Slide Number Placeholder 3"/>
+          <p:cNvSpPr>
+            <a:spLocks noGrp="1"/>
+          </p:cNvSpPr>
+          <p:nvPr>
+            <p:ph type="sldNum" sz="quarter" idx="5"/>
+          </p:nvPr>
+        </p:nvSpPr>
+        <p:spPr/>
+        <p:txBody>
+          <a:bodyPr/>
+          <a:lstStyle/>
+          <a:p>
+            <a:fld id="{A89C7E07-3C67-C64C-8DA0-0404F6303970}" type="slidenum">
+              <a:rPr lang="en-US" smtClean="0"/>
+              <a:t>12</a:t>
+            </a:fld>
+            <a:endParaRPr lang="en-US" dirty="0"/>
+          </a:p>
+        </p:txBody>
+      </p:sp>
+    </p:spTree>
+    <p:extLst>
+      <p:ext uri="{BB962C8B-B14F-4D97-AF65-F5344CB8AC3E}">
+        <p14:creationId xmlns:p14="http://schemas.microsoft.com/office/powerpoint/2010/main" val="1742652240"/>
+      </p:ext>
+    </p:extLst>
+  </p:cSld>
+  <p:clrMapOvr>
+    <a:masterClrMapping/>
+  </p:clrMapOvr>
+</p:notes>
+</file>
+
+<file path=ppt/notesSlides/notesSlide5.xml><?xml version="1.0" encoding="utf-8"?>
+<p:notes xmlns:a="http://schemas.openxmlformats.org/drawingml/2006/main" xmlns:r="http://schemas.openxmlformats.org/officeDocument/2006/relationships" xmlns:p="http://schemas.openxmlformats.org/presentationml/2006/main">
+  <p:cSld>
+    <p:spTree>
+      <p:nvGrpSpPr>
+        <p:cNvPr id="1" name=""/>
+        <p:cNvGrpSpPr/>
+        <p:nvPr/>
+      </p:nvGrpSpPr>
+      <p:grpSpPr>
+        <a:xfrm>
+          <a:off x="0" y="0"/>
+          <a:ext cx="0" cy="0"/>
+          <a:chOff x="0" y="0"/>
+          <a:chExt cx="0" cy="0"/>
+        </a:xfrm>
+      </p:grpSpPr>
+      <p:sp>
+        <p:nvSpPr>
+          <p:cNvPr id="2" name="Slide Image Placeholder 1"/>
+          <p:cNvSpPr>
+            <a:spLocks noGrp="1" noRot="1" noChangeAspect="1"/>
+          </p:cNvSpPr>
+          <p:nvPr>
+            <p:ph type="sldImg"/>
+          </p:nvPr>
+        </p:nvSpPr>
+        <p:spPr/>
+      </p:sp>
+      <p:sp>
+        <p:nvSpPr>
+          <p:cNvPr id="3" name="Notes Placeholder 2"/>
+          <p:cNvSpPr>
+            <a:spLocks noGrp="1"/>
+          </p:cNvSpPr>
+          <p:nvPr>
+            <p:ph type="body" idx="1"/>
+          </p:nvPr>
+        </p:nvSpPr>
+        <p:spPr/>
+        <p:txBody>
+          <a:bodyPr/>
+          <a:lstStyle/>
+          <a:p>
+            <a:endParaRPr lang="en-US" dirty="0"/>
+          </a:p>
+        </p:txBody>
+      </p:sp>
+      <p:sp>
+        <p:nvSpPr>
+          <p:cNvPr id="4" name="Slide Number Placeholder 3"/>
+          <p:cNvSpPr>
+            <a:spLocks noGrp="1"/>
+          </p:cNvSpPr>
+          <p:nvPr>
+            <p:ph type="sldNum" sz="quarter" idx="5"/>
+          </p:nvPr>
+        </p:nvSpPr>
+        <p:spPr/>
+        <p:txBody>
+          <a:bodyPr/>
+          <a:lstStyle/>
+          <a:p>
+            <a:fld id="{A89C7E07-3C67-C64C-8DA0-0404F6303970}" type="slidenum">
+              <a:rPr lang="en-US" smtClean="0"/>
+              <a:t>14</a:t>
             </a:fld>
             <a:endParaRPr lang="en-US" dirty="0"/>
           </a:p>
@@ -14268,110 +14441,10 @@
       </p:grpSpPr>
       <p:sp>
         <p:nvSpPr>
-          <p:cNvPr id="2" name="Chart Placeholder 1">
-            <a:extLst>
-              <a:ext uri="{FF2B5EF4-FFF2-40B4-BE49-F238E27FC236}">
-                <a16:creationId xmlns:a16="http://schemas.microsoft.com/office/drawing/2014/main" id="{88015C28-1B07-716D-D8E5-FE38E19E03E0}"/>
-              </a:ext>
-            </a:extLst>
-          </p:cNvPr>
-          <p:cNvSpPr>
-            <a:spLocks noGrp="1"/>
-          </p:cNvSpPr>
-          <p:nvPr>
-            <p:ph type="chart" sz="quarter" idx="10"/>
-          </p:nvPr>
-        </p:nvSpPr>
-        <p:spPr/>
-        <p:txBody>
-          <a:bodyPr/>
-          <a:lstStyle/>
-          <a:p>
-            <a:r>
-              <a:rPr lang="en-US" dirty="0">
-                <a:solidFill>
-                  <a:schemeClr val="bg1"/>
-                </a:solidFill>
-              </a:rPr>
-              <a:t>Online lending platform</a:t>
-            </a:r>
-          </a:p>
-          <a:p>
-            <a:r>
-              <a:rPr lang="en-US" dirty="0">
-                <a:solidFill>
-                  <a:schemeClr val="bg1"/>
-                </a:solidFill>
-              </a:rPr>
-              <a:t>Focuses on non-prime borrowers that would not be able to get a loan from a traditional bank</a:t>
-            </a:r>
-          </a:p>
-          <a:p>
-            <a:r>
-              <a:rPr lang="en-US" dirty="0">
-                <a:solidFill>
-                  <a:schemeClr val="bg1"/>
-                </a:solidFill>
-              </a:rPr>
-              <a:t>Offers various products (auto loans, personal loans, credit cards)</a:t>
-            </a:r>
-          </a:p>
-          <a:p>
-            <a:r>
-              <a:rPr lang="en-US" dirty="0">
-                <a:solidFill>
-                  <a:schemeClr val="bg1"/>
-                </a:solidFill>
-              </a:rPr>
-              <a:t>Average APR on loans originated in 2022 -&gt; 26%</a:t>
-            </a:r>
-          </a:p>
-          <a:p>
-            <a:r>
-              <a:rPr lang="en-US" dirty="0">
-                <a:solidFill>
-                  <a:schemeClr val="bg1"/>
-                </a:solidFill>
-              </a:rPr>
-              <a:t>Across consumer and auto, </a:t>
-            </a:r>
-            <a:r>
-              <a:rPr lang="en-US" dirty="0" err="1">
-                <a:solidFill>
-                  <a:schemeClr val="bg1"/>
-                </a:solidFill>
-              </a:rPr>
-              <a:t>OneMain</a:t>
-            </a:r>
-            <a:r>
-              <a:rPr lang="en-US" dirty="0">
-                <a:solidFill>
-                  <a:schemeClr val="bg1"/>
-                </a:solidFill>
-              </a:rPr>
-              <a:t> has securitized ~ $3.5 billion TTM</a:t>
-            </a:r>
-          </a:p>
-          <a:p>
-            <a:pPr lvl="1"/>
-            <a:r>
-              <a:rPr lang="en-US" dirty="0"/>
-              <a:t>~ $3 billion in consumer</a:t>
-            </a:r>
-            <a:endParaRPr lang="en-US" dirty="0">
-              <a:solidFill>
-                <a:schemeClr val="bg1"/>
-              </a:solidFill>
-            </a:endParaRPr>
-          </a:p>
-        </p:txBody>
-      </p:sp>
-      <p:sp>
-        <p:nvSpPr>
           <p:cNvPr id="3" name="Title 2">
             <a:extLst>
               <a:ext uri="{FF2B5EF4-FFF2-40B4-BE49-F238E27FC236}">
-                <a16:creationId xmlns:a16="http://schemas.microsoft.com/office/drawing/2014/main" id="{7240007A-0010-F7C6-9F32-73DCC662536B}"/>
+                <a16:creationId xmlns:a16="http://schemas.microsoft.com/office/drawing/2014/main" id="{43F56172-172D-BEAD-7944-617C3F01C542}"/>
               </a:ext>
             </a:extLst>
           </p:cNvPr>
@@ -14388,10 +14461,9 @@
           <a:lstStyle/>
           <a:p>
             <a:r>
-              <a:rPr lang="en-US" dirty="0" err="1"/>
-              <a:t>OneMain</a:t>
+              <a:rPr lang="en-US" dirty="0"/>
+              <a:t>Balance History</a:t>
             </a:r>
-            <a:endParaRPr lang="en-US" dirty="0"/>
           </a:p>
         </p:txBody>
       </p:sp>
@@ -14400,7 +14472,7 @@
           <p:cNvPr id="4" name="Footer Placeholder 3">
             <a:extLst>
               <a:ext uri="{FF2B5EF4-FFF2-40B4-BE49-F238E27FC236}">
-                <a16:creationId xmlns:a16="http://schemas.microsoft.com/office/drawing/2014/main" id="{337C55C5-9C7B-6DA2-B103-570774505A1A}"/>
+                <a16:creationId xmlns:a16="http://schemas.microsoft.com/office/drawing/2014/main" id="{83CB505F-F116-16AA-CDBF-23B6A8DCC1F9}"/>
               </a:ext>
             </a:extLst>
           </p:cNvPr>
@@ -14429,7 +14501,7 @@
           <p:cNvPr id="5" name="Slide Number Placeholder 4">
             <a:extLst>
               <a:ext uri="{FF2B5EF4-FFF2-40B4-BE49-F238E27FC236}">
-                <a16:creationId xmlns:a16="http://schemas.microsoft.com/office/drawing/2014/main" id="{960506D4-11DC-ED00-1F4D-81EC4AD4F32C}"/>
+                <a16:creationId xmlns:a16="http://schemas.microsoft.com/office/drawing/2014/main" id="{A61AD7D3-AB96-5CED-651F-3CBD30C1E975}"/>
               </a:ext>
             </a:extLst>
           </p:cNvPr>
@@ -14449,125 +14521,6 @@
               <a:rPr lang="en-US" smtClean="0"/>
               <a:pPr/>
               <a:t>10</a:t>
-            </a:fld>
-            <a:endParaRPr lang="en-US" dirty="0">
-              <a:latin typeface="+mn-lt"/>
-            </a:endParaRPr>
-          </a:p>
-        </p:txBody>
-      </p:sp>
-    </p:spTree>
-    <p:extLst>
-      <p:ext uri="{BB962C8B-B14F-4D97-AF65-F5344CB8AC3E}">
-        <p14:creationId xmlns:p14="http://schemas.microsoft.com/office/powerpoint/2010/main" val="407369832"/>
-      </p:ext>
-    </p:extLst>
-  </p:cSld>
-  <p:clrMapOvr>
-    <a:masterClrMapping/>
-  </p:clrMapOvr>
-</p:sld>
-</file>
-
-<file path=ppt/slides/slide11.xml><?xml version="1.0" encoding="utf-8"?>
-<p:sld xmlns:a="http://schemas.openxmlformats.org/drawingml/2006/main" xmlns:r="http://schemas.openxmlformats.org/officeDocument/2006/relationships" xmlns:p="http://schemas.openxmlformats.org/presentationml/2006/main">
-  <p:cSld>
-    <p:spTree>
-      <p:nvGrpSpPr>
-        <p:cNvPr id="1" name=""/>
-        <p:cNvGrpSpPr/>
-        <p:nvPr/>
-      </p:nvGrpSpPr>
-      <p:grpSpPr>
-        <a:xfrm>
-          <a:off x="0" y="0"/>
-          <a:ext cx="0" cy="0"/>
-          <a:chOff x="0" y="0"/>
-          <a:chExt cx="0" cy="0"/>
-        </a:xfrm>
-      </p:grpSpPr>
-      <p:sp>
-        <p:nvSpPr>
-          <p:cNvPr id="3" name="Title 2">
-            <a:extLst>
-              <a:ext uri="{FF2B5EF4-FFF2-40B4-BE49-F238E27FC236}">
-                <a16:creationId xmlns:a16="http://schemas.microsoft.com/office/drawing/2014/main" id="{43F56172-172D-BEAD-7944-617C3F01C542}"/>
-              </a:ext>
-            </a:extLst>
-          </p:cNvPr>
-          <p:cNvSpPr>
-            <a:spLocks noGrp="1"/>
-          </p:cNvSpPr>
-          <p:nvPr>
-            <p:ph type="title"/>
-          </p:nvPr>
-        </p:nvSpPr>
-        <p:spPr/>
-        <p:txBody>
-          <a:bodyPr/>
-          <a:lstStyle/>
-          <a:p>
-            <a:r>
-              <a:rPr lang="en-US" dirty="0"/>
-              <a:t>Balance History</a:t>
-            </a:r>
-          </a:p>
-        </p:txBody>
-      </p:sp>
-      <p:sp>
-        <p:nvSpPr>
-          <p:cNvPr id="4" name="Footer Placeholder 3">
-            <a:extLst>
-              <a:ext uri="{FF2B5EF4-FFF2-40B4-BE49-F238E27FC236}">
-                <a16:creationId xmlns:a16="http://schemas.microsoft.com/office/drawing/2014/main" id="{83CB505F-F116-16AA-CDBF-23B6A8DCC1F9}"/>
-              </a:ext>
-            </a:extLst>
-          </p:cNvPr>
-          <p:cNvSpPr>
-            <a:spLocks noGrp="1"/>
-          </p:cNvSpPr>
-          <p:nvPr>
-            <p:ph type="ftr" sz="quarter" idx="12"/>
-          </p:nvPr>
-        </p:nvSpPr>
-        <p:spPr/>
-        <p:txBody>
-          <a:bodyPr/>
-          <a:lstStyle/>
-          <a:p>
-            <a:r>
-              <a:rPr lang="en-US"/>
-              <a:t>OneMain Consumer Loan Review</a:t>
-            </a:r>
-            <a:endParaRPr lang="en-US" b="0" dirty="0"/>
-          </a:p>
-        </p:txBody>
-      </p:sp>
-      <p:sp>
-        <p:nvSpPr>
-          <p:cNvPr id="5" name="Slide Number Placeholder 4">
-            <a:extLst>
-              <a:ext uri="{FF2B5EF4-FFF2-40B4-BE49-F238E27FC236}">
-                <a16:creationId xmlns:a16="http://schemas.microsoft.com/office/drawing/2014/main" id="{A61AD7D3-AB96-5CED-651F-3CBD30C1E975}"/>
-              </a:ext>
-            </a:extLst>
-          </p:cNvPr>
-          <p:cNvSpPr>
-            <a:spLocks noGrp="1"/>
-          </p:cNvSpPr>
-          <p:nvPr>
-            <p:ph type="sldNum" sz="quarter" idx="13"/>
-          </p:nvPr>
-        </p:nvSpPr>
-        <p:spPr/>
-        <p:txBody>
-          <a:bodyPr/>
-          <a:lstStyle/>
-          <a:p>
-            <a:fld id="{294A09A9-5501-47C1-A89A-A340965A2BE2}" type="slidenum">
-              <a:rPr lang="en-US" smtClean="0"/>
-              <a:pPr/>
-              <a:t>11</a:t>
             </a:fld>
             <a:endParaRPr lang="en-US" dirty="0">
               <a:latin typeface="+mn-lt"/>
@@ -14869,6 +14822,180 @@
 </p:sld>
 </file>
 
+<file path=ppt/slides/slide11.xml><?xml version="1.0" encoding="utf-8"?>
+<p:sld xmlns:a="http://schemas.openxmlformats.org/drawingml/2006/main" xmlns:r="http://schemas.openxmlformats.org/officeDocument/2006/relationships" xmlns:p="http://schemas.openxmlformats.org/presentationml/2006/main">
+  <p:cSld>
+    <p:spTree>
+      <p:nvGrpSpPr>
+        <p:cNvPr id="1" name=""/>
+        <p:cNvGrpSpPr/>
+        <p:nvPr/>
+      </p:nvGrpSpPr>
+      <p:grpSpPr>
+        <a:xfrm>
+          <a:off x="0" y="0"/>
+          <a:ext cx="0" cy="0"/>
+          <a:chOff x="0" y="0"/>
+          <a:chExt cx="0" cy="0"/>
+        </a:xfrm>
+      </p:grpSpPr>
+      <p:sp>
+        <p:nvSpPr>
+          <p:cNvPr id="2" name="Chart Placeholder 1">
+            <a:extLst>
+              <a:ext uri="{FF2B5EF4-FFF2-40B4-BE49-F238E27FC236}">
+                <a16:creationId xmlns:a16="http://schemas.microsoft.com/office/drawing/2014/main" id="{FAA9153B-57C2-7AE5-4A22-3B89DF4E0BE1}"/>
+              </a:ext>
+            </a:extLst>
+          </p:cNvPr>
+          <p:cNvSpPr>
+            <a:spLocks noGrp="1"/>
+          </p:cNvSpPr>
+          <p:nvPr>
+            <p:ph type="chart" sz="quarter" idx="10"/>
+          </p:nvPr>
+        </p:nvSpPr>
+        <p:spPr/>
+        <p:txBody>
+          <a:bodyPr/>
+          <a:lstStyle/>
+          <a:p>
+            <a:endParaRPr lang="en-US"/>
+          </a:p>
+        </p:txBody>
+      </p:sp>
+      <p:sp>
+        <p:nvSpPr>
+          <p:cNvPr id="3" name="Title 2">
+            <a:extLst>
+              <a:ext uri="{FF2B5EF4-FFF2-40B4-BE49-F238E27FC236}">
+                <a16:creationId xmlns:a16="http://schemas.microsoft.com/office/drawing/2014/main" id="{43F56172-172D-BEAD-7944-617C3F01C542}"/>
+              </a:ext>
+            </a:extLst>
+          </p:cNvPr>
+          <p:cNvSpPr>
+            <a:spLocks noGrp="1"/>
+          </p:cNvSpPr>
+          <p:nvPr>
+            <p:ph type="title"/>
+          </p:nvPr>
+        </p:nvSpPr>
+        <p:spPr/>
+        <p:txBody>
+          <a:bodyPr/>
+          <a:lstStyle/>
+          <a:p>
+            <a:r>
+              <a:rPr lang="en-US" dirty="0"/>
+              <a:t>Balance History</a:t>
+            </a:r>
+          </a:p>
+        </p:txBody>
+      </p:sp>
+      <p:sp>
+        <p:nvSpPr>
+          <p:cNvPr id="4" name="Footer Placeholder 3">
+            <a:extLst>
+              <a:ext uri="{FF2B5EF4-FFF2-40B4-BE49-F238E27FC236}">
+                <a16:creationId xmlns:a16="http://schemas.microsoft.com/office/drawing/2014/main" id="{83CB505F-F116-16AA-CDBF-23B6A8DCC1F9}"/>
+              </a:ext>
+            </a:extLst>
+          </p:cNvPr>
+          <p:cNvSpPr>
+            <a:spLocks noGrp="1"/>
+          </p:cNvSpPr>
+          <p:nvPr>
+            <p:ph type="ftr" sz="quarter" idx="12"/>
+          </p:nvPr>
+        </p:nvSpPr>
+        <p:spPr/>
+        <p:txBody>
+          <a:bodyPr/>
+          <a:lstStyle/>
+          <a:p>
+            <a:r>
+              <a:rPr lang="en-US"/>
+              <a:t>OneMain Consumer Loan Review</a:t>
+            </a:r>
+            <a:endParaRPr lang="en-US" b="0" dirty="0"/>
+          </a:p>
+        </p:txBody>
+      </p:sp>
+      <p:sp>
+        <p:nvSpPr>
+          <p:cNvPr id="5" name="Slide Number Placeholder 4">
+            <a:extLst>
+              <a:ext uri="{FF2B5EF4-FFF2-40B4-BE49-F238E27FC236}">
+                <a16:creationId xmlns:a16="http://schemas.microsoft.com/office/drawing/2014/main" id="{A61AD7D3-AB96-5CED-651F-3CBD30C1E975}"/>
+              </a:ext>
+            </a:extLst>
+          </p:cNvPr>
+          <p:cNvSpPr>
+            <a:spLocks noGrp="1"/>
+          </p:cNvSpPr>
+          <p:nvPr>
+            <p:ph type="sldNum" sz="quarter" idx="13"/>
+          </p:nvPr>
+        </p:nvSpPr>
+        <p:spPr/>
+        <p:txBody>
+          <a:bodyPr/>
+          <a:lstStyle/>
+          <a:p>
+            <a:fld id="{294A09A9-5501-47C1-A89A-A340965A2BE2}" type="slidenum">
+              <a:rPr lang="en-US" smtClean="0"/>
+              <a:pPr/>
+              <a:t>11</a:t>
+            </a:fld>
+            <a:endParaRPr lang="en-US" dirty="0">
+              <a:latin typeface="+mn-lt"/>
+            </a:endParaRPr>
+          </a:p>
+        </p:txBody>
+      </p:sp>
+      <p:pic>
+        <p:nvPicPr>
+          <p:cNvPr id="7" name="Picture 6">
+            <a:extLst>
+              <a:ext uri="{FF2B5EF4-FFF2-40B4-BE49-F238E27FC236}">
+                <a16:creationId xmlns:a16="http://schemas.microsoft.com/office/drawing/2014/main" id="{FD98F69C-FE10-34F3-AD50-C657AA908099}"/>
+              </a:ext>
+            </a:extLst>
+          </p:cNvPr>
+          <p:cNvPicPr>
+            <a:picLocks noChangeAspect="1"/>
+          </p:cNvPicPr>
+          <p:nvPr/>
+        </p:nvPicPr>
+        <p:blipFill>
+          <a:blip r:embed="rId3"/>
+          <a:stretch>
+            <a:fillRect/>
+          </a:stretch>
+        </p:blipFill>
+        <p:spPr>
+          <a:xfrm>
+            <a:off x="564452" y="1695621"/>
+            <a:ext cx="11063095" cy="4636599"/>
+          </a:xfrm>
+          <a:prstGeom prst="rect">
+            <a:avLst/>
+          </a:prstGeom>
+        </p:spPr>
+      </p:pic>
+    </p:spTree>
+    <p:extLst>
+      <p:ext uri="{BB962C8B-B14F-4D97-AF65-F5344CB8AC3E}">
+        <p14:creationId xmlns:p14="http://schemas.microsoft.com/office/powerpoint/2010/main" val="1305009826"/>
+      </p:ext>
+    </p:extLst>
+  </p:cSld>
+  <p:clrMapOvr>
+    <a:masterClrMapping/>
+  </p:clrMapOvr>
+</p:sld>
+</file>
+
 <file path=ppt/slides/slide12.xml><?xml version="1.0" encoding="utf-8"?>
 <p:sld xmlns:a="http://schemas.openxmlformats.org/drawingml/2006/main" xmlns:r="http://schemas.openxmlformats.org/officeDocument/2006/relationships" xmlns:p="http://schemas.openxmlformats.org/presentationml/2006/main">
   <p:cSld>
@@ -14891,7 +15018,7 @@
           <p:cNvPr id="2" name="Chart Placeholder 1">
             <a:extLst>
               <a:ext uri="{FF2B5EF4-FFF2-40B4-BE49-F238E27FC236}">
-                <a16:creationId xmlns:a16="http://schemas.microsoft.com/office/drawing/2014/main" id="{FAA9153B-57C2-7AE5-4A22-3B89DF4E0BE1}"/>
+                <a16:creationId xmlns:a16="http://schemas.microsoft.com/office/drawing/2014/main" id="{5313F019-D045-BFF5-F2AC-00535F215667}"/>
               </a:ext>
             </a:extLst>
           </p:cNvPr>
@@ -14902,12 +15029,45 @@
             <p:ph type="chart" sz="quarter" idx="10"/>
           </p:nvPr>
         </p:nvSpPr>
-        <p:spPr/>
+        <p:spPr>
+          <a:xfrm>
+            <a:off x="4136948" y="6257382"/>
+            <a:ext cx="3836316" cy="397325"/>
+          </a:xfrm>
+        </p:spPr>
         <p:txBody>
-          <a:bodyPr/>
+          <a:bodyPr>
+            <a:normAutofit/>
+          </a:bodyPr>
           <a:lstStyle/>
           <a:p>
-            <a:endParaRPr lang="en-US"/>
+            <a:pPr marL="0" indent="0">
+              <a:buNone/>
+            </a:pPr>
+            <a:r>
+              <a:rPr lang="en-US" sz="1400" dirty="0">
+                <a:solidFill>
+                  <a:schemeClr val="bg1"/>
+                </a:solidFill>
+              </a:rPr>
+              <a:t>Source: </a:t>
+            </a:r>
+            <a:r>
+              <a:rPr lang="en-US" sz="1400" dirty="0" err="1">
+                <a:solidFill>
+                  <a:schemeClr val="bg1"/>
+                </a:solidFill>
+              </a:rPr>
+              <a:t>OneMain</a:t>
+            </a:r>
+            <a:r>
+              <a:rPr lang="en-US" sz="1400" dirty="0">
+                <a:solidFill>
+                  <a:schemeClr val="bg1"/>
+                </a:solidFill>
+              </a:rPr>
+              <a:t> monthly performance report</a:t>
+            </a:r>
           </a:p>
         </p:txBody>
       </p:sp>
@@ -14916,7 +15076,7 @@
           <p:cNvPr id="3" name="Title 2">
             <a:extLst>
               <a:ext uri="{FF2B5EF4-FFF2-40B4-BE49-F238E27FC236}">
-                <a16:creationId xmlns:a16="http://schemas.microsoft.com/office/drawing/2014/main" id="{43F56172-172D-BEAD-7944-617C3F01C542}"/>
+                <a16:creationId xmlns:a16="http://schemas.microsoft.com/office/drawing/2014/main" id="{650E4AAA-1D37-1A1C-4CDA-BA2DFD2C6FD3}"/>
               </a:ext>
             </a:extLst>
           </p:cNvPr>
@@ -14934,7 +15094,7 @@
           <a:p>
             <a:r>
               <a:rPr lang="en-US" dirty="0"/>
-              <a:t>Balance History</a:t>
+              <a:t>Delinquency</a:t>
             </a:r>
           </a:p>
         </p:txBody>
@@ -14944,7 +15104,7 @@
           <p:cNvPr id="4" name="Footer Placeholder 3">
             <a:extLst>
               <a:ext uri="{FF2B5EF4-FFF2-40B4-BE49-F238E27FC236}">
-                <a16:creationId xmlns:a16="http://schemas.microsoft.com/office/drawing/2014/main" id="{83CB505F-F116-16AA-CDBF-23B6A8DCC1F9}"/>
+                <a16:creationId xmlns:a16="http://schemas.microsoft.com/office/drawing/2014/main" id="{B32F79B2-2B89-B81E-C7BE-C1CC71218772}"/>
               </a:ext>
             </a:extLst>
           </p:cNvPr>
@@ -14973,7 +15133,7 @@
           <p:cNvPr id="5" name="Slide Number Placeholder 4">
             <a:extLst>
               <a:ext uri="{FF2B5EF4-FFF2-40B4-BE49-F238E27FC236}">
-                <a16:creationId xmlns:a16="http://schemas.microsoft.com/office/drawing/2014/main" id="{A61AD7D3-AB96-5CED-651F-3CBD30C1E975}"/>
+                <a16:creationId xmlns:a16="http://schemas.microsoft.com/office/drawing/2014/main" id="{A52DED73-D12F-BF4F-6F3D-FEE5E53C97B4}"/>
               </a:ext>
             </a:extLst>
           </p:cNvPr>
@@ -15005,7 +15165,36 @@
           <p:cNvPr id="7" name="Picture 6">
             <a:extLst>
               <a:ext uri="{FF2B5EF4-FFF2-40B4-BE49-F238E27FC236}">
-                <a16:creationId xmlns:a16="http://schemas.microsoft.com/office/drawing/2014/main" id="{FD98F69C-FE10-34F3-AD50-C657AA908099}"/>
+                <a16:creationId xmlns:a16="http://schemas.microsoft.com/office/drawing/2014/main" id="{294C0F6D-12C3-F937-5538-5E1651386D57}"/>
+              </a:ext>
+            </a:extLst>
+          </p:cNvPr>
+          <p:cNvPicPr>
+            <a:picLocks noChangeAspect="1"/>
+          </p:cNvPicPr>
+          <p:nvPr/>
+        </p:nvPicPr>
+        <p:blipFill rotWithShape="1">
+          <a:blip r:embed="rId3"/>
+          <a:srcRect r="20669"/>
+          <a:stretch/>
+        </p:blipFill>
+        <p:spPr>
+          <a:xfrm>
+            <a:off x="77959" y="1936483"/>
+            <a:ext cx="3836316" cy="4268671"/>
+          </a:xfrm>
+          <a:prstGeom prst="rect">
+            <a:avLst/>
+          </a:prstGeom>
+        </p:spPr>
+      </p:pic>
+      <p:pic>
+        <p:nvPicPr>
+          <p:cNvPr id="11" name="Picture 10">
+            <a:extLst>
+              <a:ext uri="{FF2B5EF4-FFF2-40B4-BE49-F238E27FC236}">
+                <a16:creationId xmlns:a16="http://schemas.microsoft.com/office/drawing/2014/main" id="{EC7EB397-291F-D64E-7EA0-E6107A46AEF2}"/>
               </a:ext>
             </a:extLst>
           </p:cNvPr>
@@ -15015,15 +15204,75 @@
           <p:nvPr/>
         </p:nvPicPr>
         <p:blipFill>
-          <a:blip r:embed="rId2"/>
+          <a:blip r:embed="rId4"/>
           <a:stretch>
             <a:fillRect/>
           </a:stretch>
         </p:blipFill>
         <p:spPr>
           <a:xfrm>
-            <a:off x="564452" y="1695621"/>
-            <a:ext cx="11063095" cy="4636599"/>
+            <a:off x="4136949" y="1966965"/>
+            <a:ext cx="3836316" cy="4238189"/>
+          </a:xfrm>
+          <a:prstGeom prst="rect">
+            <a:avLst/>
+          </a:prstGeom>
+        </p:spPr>
+      </p:pic>
+      <p:pic>
+        <p:nvPicPr>
+          <p:cNvPr id="13" name="Picture 12">
+            <a:extLst>
+              <a:ext uri="{FF2B5EF4-FFF2-40B4-BE49-F238E27FC236}">
+                <a16:creationId xmlns:a16="http://schemas.microsoft.com/office/drawing/2014/main" id="{D68120A2-6578-CC9D-7B38-526D5A6F5BD0}"/>
+              </a:ext>
+            </a:extLst>
+          </p:cNvPr>
+          <p:cNvPicPr>
+            <a:picLocks noChangeAspect="1"/>
+          </p:cNvPicPr>
+          <p:nvPr/>
+        </p:nvPicPr>
+        <p:blipFill>
+          <a:blip r:embed="rId5"/>
+          <a:stretch>
+            <a:fillRect/>
+          </a:stretch>
+        </p:blipFill>
+        <p:spPr>
+          <a:xfrm>
+            <a:off x="8250598" y="1961891"/>
+            <a:ext cx="3836316" cy="4238189"/>
+          </a:xfrm>
+          <a:prstGeom prst="rect">
+            <a:avLst/>
+          </a:prstGeom>
+        </p:spPr>
+      </p:pic>
+      <p:pic>
+        <p:nvPicPr>
+          <p:cNvPr id="8" name="Picture 7">
+            <a:extLst>
+              <a:ext uri="{FF2B5EF4-FFF2-40B4-BE49-F238E27FC236}">
+                <a16:creationId xmlns:a16="http://schemas.microsoft.com/office/drawing/2014/main" id="{9C190A87-7063-8C3F-D1C7-4AF51EA4F2D1}"/>
+              </a:ext>
+            </a:extLst>
+          </p:cNvPr>
+          <p:cNvPicPr>
+            <a:picLocks noChangeAspect="1"/>
+          </p:cNvPicPr>
+          <p:nvPr/>
+        </p:nvPicPr>
+        <p:blipFill>
+          <a:blip r:embed="rId6"/>
+          <a:stretch>
+            <a:fillRect/>
+          </a:stretch>
+        </p:blipFill>
+        <p:spPr>
+          <a:xfrm>
+            <a:off x="464276" y="1561602"/>
+            <a:ext cx="11181659" cy="272723"/>
           </a:xfrm>
           <a:prstGeom prst="rect">
             <a:avLst/>
@@ -15033,7 +15282,7 @@
     </p:spTree>
     <p:extLst>
       <p:ext uri="{BB962C8B-B14F-4D97-AF65-F5344CB8AC3E}">
-        <p14:creationId xmlns:p14="http://schemas.microsoft.com/office/powerpoint/2010/main" val="1305009826"/>
+        <p14:creationId xmlns:p14="http://schemas.microsoft.com/office/powerpoint/2010/main" val="179098609"/>
       </p:ext>
     </p:extLst>
   </p:cSld>
@@ -15065,7 +15314,7 @@
           <p:cNvPr id="2" name="Chart Placeholder 1">
             <a:extLst>
               <a:ext uri="{FF2B5EF4-FFF2-40B4-BE49-F238E27FC236}">
-                <a16:creationId xmlns:a16="http://schemas.microsoft.com/office/drawing/2014/main" id="{5313F019-D045-BFF5-F2AC-00535F215667}"/>
+                <a16:creationId xmlns:a16="http://schemas.microsoft.com/office/drawing/2014/main" id="{09164244-A723-80F7-0241-5BE11203A5ED}"/>
               </a:ext>
             </a:extLst>
           </p:cNvPr>
@@ -15076,45 +15325,12 @@
             <p:ph type="chart" sz="quarter" idx="10"/>
           </p:nvPr>
         </p:nvSpPr>
-        <p:spPr>
-          <a:xfrm>
-            <a:off x="4136948" y="6257382"/>
-            <a:ext cx="3836316" cy="397325"/>
-          </a:xfrm>
-        </p:spPr>
+        <p:spPr/>
         <p:txBody>
-          <a:bodyPr>
-            <a:normAutofit/>
-          </a:bodyPr>
+          <a:bodyPr/>
           <a:lstStyle/>
           <a:p>
-            <a:pPr marL="0" indent="0">
-              <a:buNone/>
-            </a:pPr>
-            <a:r>
-              <a:rPr lang="en-US" sz="1400" dirty="0">
-                <a:solidFill>
-                  <a:schemeClr val="bg1"/>
-                </a:solidFill>
-              </a:rPr>
-              <a:t>Source: </a:t>
-            </a:r>
-            <a:r>
-              <a:rPr lang="en-US" sz="1400" dirty="0" err="1">
-                <a:solidFill>
-                  <a:schemeClr val="bg1"/>
-                </a:solidFill>
-              </a:rPr>
-              <a:t>OneMain</a:t>
-            </a:r>
-            <a:r>
-              <a:rPr lang="en-US" sz="1400" dirty="0">
-                <a:solidFill>
-                  <a:schemeClr val="bg1"/>
-                </a:solidFill>
-              </a:rPr>
-              <a:t> monthly performance report</a:t>
-            </a:r>
+            <a:endParaRPr lang="en-US" dirty="0"/>
           </a:p>
         </p:txBody>
       </p:sp>
@@ -15123,7 +15339,7 @@
           <p:cNvPr id="3" name="Title 2">
             <a:extLst>
               <a:ext uri="{FF2B5EF4-FFF2-40B4-BE49-F238E27FC236}">
-                <a16:creationId xmlns:a16="http://schemas.microsoft.com/office/drawing/2014/main" id="{650E4AAA-1D37-1A1C-4CDA-BA2DFD2C6FD3}"/>
+                <a16:creationId xmlns:a16="http://schemas.microsoft.com/office/drawing/2014/main" id="{0A7448A1-63F4-3B84-68A7-E2166516EE11}"/>
               </a:ext>
             </a:extLst>
           </p:cNvPr>
@@ -15141,7 +15357,7 @@
           <a:p>
             <a:r>
               <a:rPr lang="en-US" dirty="0"/>
-              <a:t>Delinquency</a:t>
+              <a:t>Losses</a:t>
             </a:r>
           </a:p>
         </p:txBody>
@@ -15151,7 +15367,7 @@
           <p:cNvPr id="4" name="Footer Placeholder 3">
             <a:extLst>
               <a:ext uri="{FF2B5EF4-FFF2-40B4-BE49-F238E27FC236}">
-                <a16:creationId xmlns:a16="http://schemas.microsoft.com/office/drawing/2014/main" id="{B32F79B2-2B89-B81E-C7BE-C1CC71218772}"/>
+                <a16:creationId xmlns:a16="http://schemas.microsoft.com/office/drawing/2014/main" id="{BD5C6205-0111-D873-5C16-017DC7E7F6F1}"/>
               </a:ext>
             </a:extLst>
           </p:cNvPr>
@@ -15180,7 +15396,7 @@
           <p:cNvPr id="5" name="Slide Number Placeholder 4">
             <a:extLst>
               <a:ext uri="{FF2B5EF4-FFF2-40B4-BE49-F238E27FC236}">
-                <a16:creationId xmlns:a16="http://schemas.microsoft.com/office/drawing/2014/main" id="{A52DED73-D12F-BF4F-6F3D-FEE5E53C97B4}"/>
+                <a16:creationId xmlns:a16="http://schemas.microsoft.com/office/drawing/2014/main" id="{FFC51A76-BB68-5F42-F135-BCE09779881E}"/>
               </a:ext>
             </a:extLst>
           </p:cNvPr>
@@ -15200,269 +15416,6 @@
               <a:rPr lang="en-US" smtClean="0"/>
               <a:pPr/>
               <a:t>13</a:t>
-            </a:fld>
-            <a:endParaRPr lang="en-US" dirty="0">
-              <a:latin typeface="+mn-lt"/>
-            </a:endParaRPr>
-          </a:p>
-        </p:txBody>
-      </p:sp>
-      <p:pic>
-        <p:nvPicPr>
-          <p:cNvPr id="7" name="Picture 6">
-            <a:extLst>
-              <a:ext uri="{FF2B5EF4-FFF2-40B4-BE49-F238E27FC236}">
-                <a16:creationId xmlns:a16="http://schemas.microsoft.com/office/drawing/2014/main" id="{294C0F6D-12C3-F937-5538-5E1651386D57}"/>
-              </a:ext>
-            </a:extLst>
-          </p:cNvPr>
-          <p:cNvPicPr>
-            <a:picLocks noChangeAspect="1"/>
-          </p:cNvPicPr>
-          <p:nvPr/>
-        </p:nvPicPr>
-        <p:blipFill rotWithShape="1">
-          <a:blip r:embed="rId2"/>
-          <a:srcRect r="20669"/>
-          <a:stretch/>
-        </p:blipFill>
-        <p:spPr>
-          <a:xfrm>
-            <a:off x="77959" y="1936483"/>
-            <a:ext cx="3836316" cy="4268671"/>
-          </a:xfrm>
-          <a:prstGeom prst="rect">
-            <a:avLst/>
-          </a:prstGeom>
-        </p:spPr>
-      </p:pic>
-      <p:pic>
-        <p:nvPicPr>
-          <p:cNvPr id="11" name="Picture 10">
-            <a:extLst>
-              <a:ext uri="{FF2B5EF4-FFF2-40B4-BE49-F238E27FC236}">
-                <a16:creationId xmlns:a16="http://schemas.microsoft.com/office/drawing/2014/main" id="{EC7EB397-291F-D64E-7EA0-E6107A46AEF2}"/>
-              </a:ext>
-            </a:extLst>
-          </p:cNvPr>
-          <p:cNvPicPr>
-            <a:picLocks noChangeAspect="1"/>
-          </p:cNvPicPr>
-          <p:nvPr/>
-        </p:nvPicPr>
-        <p:blipFill>
-          <a:blip r:embed="rId3"/>
-          <a:stretch>
-            <a:fillRect/>
-          </a:stretch>
-        </p:blipFill>
-        <p:spPr>
-          <a:xfrm>
-            <a:off x="4136949" y="1966965"/>
-            <a:ext cx="3836316" cy="4238189"/>
-          </a:xfrm>
-          <a:prstGeom prst="rect">
-            <a:avLst/>
-          </a:prstGeom>
-        </p:spPr>
-      </p:pic>
-      <p:pic>
-        <p:nvPicPr>
-          <p:cNvPr id="13" name="Picture 12">
-            <a:extLst>
-              <a:ext uri="{FF2B5EF4-FFF2-40B4-BE49-F238E27FC236}">
-                <a16:creationId xmlns:a16="http://schemas.microsoft.com/office/drawing/2014/main" id="{D68120A2-6578-CC9D-7B38-526D5A6F5BD0}"/>
-              </a:ext>
-            </a:extLst>
-          </p:cNvPr>
-          <p:cNvPicPr>
-            <a:picLocks noChangeAspect="1"/>
-          </p:cNvPicPr>
-          <p:nvPr/>
-        </p:nvPicPr>
-        <p:blipFill>
-          <a:blip r:embed="rId4"/>
-          <a:stretch>
-            <a:fillRect/>
-          </a:stretch>
-        </p:blipFill>
-        <p:spPr>
-          <a:xfrm>
-            <a:off x="8250598" y="1961891"/>
-            <a:ext cx="3836316" cy="4238189"/>
-          </a:xfrm>
-          <a:prstGeom prst="rect">
-            <a:avLst/>
-          </a:prstGeom>
-        </p:spPr>
-      </p:pic>
-      <p:pic>
-        <p:nvPicPr>
-          <p:cNvPr id="8" name="Picture 7">
-            <a:extLst>
-              <a:ext uri="{FF2B5EF4-FFF2-40B4-BE49-F238E27FC236}">
-                <a16:creationId xmlns:a16="http://schemas.microsoft.com/office/drawing/2014/main" id="{9C190A87-7063-8C3F-D1C7-4AF51EA4F2D1}"/>
-              </a:ext>
-            </a:extLst>
-          </p:cNvPr>
-          <p:cNvPicPr>
-            <a:picLocks noChangeAspect="1"/>
-          </p:cNvPicPr>
-          <p:nvPr/>
-        </p:nvPicPr>
-        <p:blipFill>
-          <a:blip r:embed="rId5"/>
-          <a:stretch>
-            <a:fillRect/>
-          </a:stretch>
-        </p:blipFill>
-        <p:spPr>
-          <a:xfrm>
-            <a:off x="464276" y="1561602"/>
-            <a:ext cx="11181659" cy="272723"/>
-          </a:xfrm>
-          <a:prstGeom prst="rect">
-            <a:avLst/>
-          </a:prstGeom>
-        </p:spPr>
-      </p:pic>
-    </p:spTree>
-    <p:extLst>
-      <p:ext uri="{BB962C8B-B14F-4D97-AF65-F5344CB8AC3E}">
-        <p14:creationId xmlns:p14="http://schemas.microsoft.com/office/powerpoint/2010/main" val="179098609"/>
-      </p:ext>
-    </p:extLst>
-  </p:cSld>
-  <p:clrMapOvr>
-    <a:masterClrMapping/>
-  </p:clrMapOvr>
-</p:sld>
-</file>
-
-<file path=ppt/slides/slide14.xml><?xml version="1.0" encoding="utf-8"?>
-<p:sld xmlns:a="http://schemas.openxmlformats.org/drawingml/2006/main" xmlns:r="http://schemas.openxmlformats.org/officeDocument/2006/relationships" xmlns:p="http://schemas.openxmlformats.org/presentationml/2006/main">
-  <p:cSld>
-    <p:spTree>
-      <p:nvGrpSpPr>
-        <p:cNvPr id="1" name=""/>
-        <p:cNvGrpSpPr/>
-        <p:nvPr/>
-      </p:nvGrpSpPr>
-      <p:grpSpPr>
-        <a:xfrm>
-          <a:off x="0" y="0"/>
-          <a:ext cx="0" cy="0"/>
-          <a:chOff x="0" y="0"/>
-          <a:chExt cx="0" cy="0"/>
-        </a:xfrm>
-      </p:grpSpPr>
-      <p:sp>
-        <p:nvSpPr>
-          <p:cNvPr id="2" name="Chart Placeholder 1">
-            <a:extLst>
-              <a:ext uri="{FF2B5EF4-FFF2-40B4-BE49-F238E27FC236}">
-                <a16:creationId xmlns:a16="http://schemas.microsoft.com/office/drawing/2014/main" id="{09164244-A723-80F7-0241-5BE11203A5ED}"/>
-              </a:ext>
-            </a:extLst>
-          </p:cNvPr>
-          <p:cNvSpPr>
-            <a:spLocks noGrp="1"/>
-          </p:cNvSpPr>
-          <p:nvPr>
-            <p:ph type="chart" sz="quarter" idx="10"/>
-          </p:nvPr>
-        </p:nvSpPr>
-        <p:spPr/>
-        <p:txBody>
-          <a:bodyPr/>
-          <a:lstStyle/>
-          <a:p>
-            <a:endParaRPr lang="en-US" dirty="0"/>
-          </a:p>
-        </p:txBody>
-      </p:sp>
-      <p:sp>
-        <p:nvSpPr>
-          <p:cNvPr id="3" name="Title 2">
-            <a:extLst>
-              <a:ext uri="{FF2B5EF4-FFF2-40B4-BE49-F238E27FC236}">
-                <a16:creationId xmlns:a16="http://schemas.microsoft.com/office/drawing/2014/main" id="{0A7448A1-63F4-3B84-68A7-E2166516EE11}"/>
-              </a:ext>
-            </a:extLst>
-          </p:cNvPr>
-          <p:cNvSpPr>
-            <a:spLocks noGrp="1"/>
-          </p:cNvSpPr>
-          <p:nvPr>
-            <p:ph type="title"/>
-          </p:nvPr>
-        </p:nvSpPr>
-        <p:spPr/>
-        <p:txBody>
-          <a:bodyPr/>
-          <a:lstStyle/>
-          <a:p>
-            <a:r>
-              <a:rPr lang="en-US" dirty="0"/>
-              <a:t>Losses</a:t>
-            </a:r>
-          </a:p>
-        </p:txBody>
-      </p:sp>
-      <p:sp>
-        <p:nvSpPr>
-          <p:cNvPr id="4" name="Footer Placeholder 3">
-            <a:extLst>
-              <a:ext uri="{FF2B5EF4-FFF2-40B4-BE49-F238E27FC236}">
-                <a16:creationId xmlns:a16="http://schemas.microsoft.com/office/drawing/2014/main" id="{BD5C6205-0111-D873-5C16-017DC7E7F6F1}"/>
-              </a:ext>
-            </a:extLst>
-          </p:cNvPr>
-          <p:cNvSpPr>
-            <a:spLocks noGrp="1"/>
-          </p:cNvSpPr>
-          <p:nvPr>
-            <p:ph type="ftr" sz="quarter" idx="12"/>
-          </p:nvPr>
-        </p:nvSpPr>
-        <p:spPr/>
-        <p:txBody>
-          <a:bodyPr/>
-          <a:lstStyle/>
-          <a:p>
-            <a:r>
-              <a:rPr lang="en-US"/>
-              <a:t>OneMain Consumer Loan Review</a:t>
-            </a:r>
-            <a:endParaRPr lang="en-US" b="0" dirty="0"/>
-          </a:p>
-        </p:txBody>
-      </p:sp>
-      <p:sp>
-        <p:nvSpPr>
-          <p:cNvPr id="5" name="Slide Number Placeholder 4">
-            <a:extLst>
-              <a:ext uri="{FF2B5EF4-FFF2-40B4-BE49-F238E27FC236}">
-                <a16:creationId xmlns:a16="http://schemas.microsoft.com/office/drawing/2014/main" id="{FFC51A76-BB68-5F42-F135-BCE09779881E}"/>
-              </a:ext>
-            </a:extLst>
-          </p:cNvPr>
-          <p:cNvSpPr>
-            <a:spLocks noGrp="1"/>
-          </p:cNvSpPr>
-          <p:nvPr>
-            <p:ph type="sldNum" sz="quarter" idx="13"/>
-          </p:nvPr>
-        </p:nvSpPr>
-        <p:spPr/>
-        <p:txBody>
-          <a:bodyPr/>
-          <a:lstStyle/>
-          <a:p>
-            <a:fld id="{294A09A9-5501-47C1-A89A-A340965A2BE2}" type="slidenum">
-              <a:rPr lang="en-US" smtClean="0"/>
-              <a:pPr/>
-              <a:t>14</a:t>
             </a:fld>
             <a:endParaRPr lang="en-US" dirty="0">
               <a:latin typeface="+mn-lt"/>
@@ -15543,7 +15496,7 @@
 </p:sld>
 </file>
 
-<file path=ppt/slides/slide15.xml><?xml version="1.0" encoding="utf-8"?>
+<file path=ppt/slides/slide14.xml><?xml version="1.0" encoding="utf-8"?>
 <p:sld xmlns:a="http://schemas.openxmlformats.org/drawingml/2006/main" xmlns:r="http://schemas.openxmlformats.org/officeDocument/2006/relationships" xmlns:p="http://schemas.openxmlformats.org/presentationml/2006/main">
   <p:cSld>
     <p:spTree>
@@ -15688,7 +15641,7 @@
 </p:sld>
 </file>
 
-<file path=ppt/slides/slide16.xml><?xml version="1.0" encoding="utf-8"?>
+<file path=ppt/slides/slide15.xml><?xml version="1.0" encoding="utf-8"?>
 <p:sld xmlns:a="http://schemas.openxmlformats.org/drawingml/2006/main" xmlns:r="http://schemas.openxmlformats.org/officeDocument/2006/relationships" xmlns:p="http://schemas.openxmlformats.org/presentationml/2006/main">
   <p:cSld>
     <p:spTree>
@@ -15818,7 +15771,7 @@
             <a:fld id="{294A09A9-5501-47C1-A89A-A340965A2BE2}" type="slidenum">
               <a:rPr lang="en-US" smtClean="0"/>
               <a:pPr/>
-              <a:t>16</a:t>
+              <a:t>15</a:t>
             </a:fld>
             <a:endParaRPr lang="en-US" dirty="0">
               <a:latin typeface="+mn-lt"/>
@@ -15869,7 +15822,7 @@
 </p:sld>
 </file>
 
-<file path=ppt/slides/slide17.xml><?xml version="1.0" encoding="utf-8"?>
+<file path=ppt/slides/slide16.xml><?xml version="1.0" encoding="utf-8"?>
 <p:sld xmlns:a="http://schemas.openxmlformats.org/drawingml/2006/main" xmlns:r="http://schemas.openxmlformats.org/officeDocument/2006/relationships" xmlns:p="http://schemas.openxmlformats.org/presentationml/2006/main">
   <p:cSld>
     <p:spTree>
@@ -15999,7 +15952,7 @@
             <a:fld id="{294A09A9-5501-47C1-A89A-A340965A2BE2}" type="slidenum">
               <a:rPr lang="en-US" smtClean="0"/>
               <a:pPr/>
-              <a:t>17</a:t>
+              <a:t>16</a:t>
             </a:fld>
             <a:endParaRPr lang="en-US" dirty="0">
               <a:latin typeface="+mn-lt"/>
@@ -16050,6 +16003,257 @@
 </p:sld>
 </file>
 
+<file path=ppt/slides/slide17.xml><?xml version="1.0" encoding="utf-8"?>
+<p:sld xmlns:a="http://schemas.openxmlformats.org/drawingml/2006/main" xmlns:r="http://schemas.openxmlformats.org/officeDocument/2006/relationships" xmlns:p="http://schemas.openxmlformats.org/presentationml/2006/main">
+  <p:cSld>
+    <p:spTree>
+      <p:nvGrpSpPr>
+        <p:cNvPr id="1" name=""/>
+        <p:cNvGrpSpPr/>
+        <p:nvPr/>
+      </p:nvGrpSpPr>
+      <p:grpSpPr>
+        <a:xfrm>
+          <a:off x="0" y="0"/>
+          <a:ext cx="0" cy="0"/>
+          <a:chOff x="0" y="0"/>
+          <a:chExt cx="0" cy="0"/>
+        </a:xfrm>
+      </p:grpSpPr>
+      <p:sp>
+        <p:nvSpPr>
+          <p:cNvPr id="2" name="Chart Placeholder 1">
+            <a:extLst>
+              <a:ext uri="{FF2B5EF4-FFF2-40B4-BE49-F238E27FC236}">
+                <a16:creationId xmlns:a16="http://schemas.microsoft.com/office/drawing/2014/main" id="{B957F538-3A28-BAB8-DEC9-2C14346C6215}"/>
+              </a:ext>
+            </a:extLst>
+          </p:cNvPr>
+          <p:cNvSpPr>
+            <a:spLocks noGrp="1"/>
+          </p:cNvSpPr>
+          <p:nvPr>
+            <p:ph type="chart" sz="quarter" idx="10"/>
+          </p:nvPr>
+        </p:nvSpPr>
+        <p:spPr/>
+        <p:txBody>
+          <a:bodyPr/>
+          <a:lstStyle/>
+          <a:p>
+            <a:r>
+              <a:rPr lang="en-US" dirty="0">
+                <a:solidFill>
+                  <a:schemeClr val="bg1"/>
+                </a:solidFill>
+              </a:rPr>
+              <a:t>Subordination</a:t>
+            </a:r>
+          </a:p>
+          <a:p>
+            <a:pPr lvl="1"/>
+            <a:r>
+              <a:rPr lang="en-US" dirty="0"/>
+              <a:t>Percent of capital structure below each bond</a:t>
+            </a:r>
+            <a:endParaRPr lang="en-US" dirty="0">
+              <a:solidFill>
+                <a:schemeClr val="bg1"/>
+              </a:solidFill>
+            </a:endParaRPr>
+          </a:p>
+          <a:p>
+            <a:r>
+              <a:rPr lang="en-US" dirty="0">
+                <a:solidFill>
+                  <a:schemeClr val="bg1"/>
+                </a:solidFill>
+              </a:rPr>
+              <a:t>Overcollateralization</a:t>
+            </a:r>
+          </a:p>
+          <a:p>
+            <a:pPr lvl="1"/>
+            <a:r>
+              <a:rPr lang="en-US" dirty="0"/>
+              <a:t>Amount pool balance exceeds class balance</a:t>
+            </a:r>
+          </a:p>
+          <a:p>
+            <a:pPr lvl="1"/>
+            <a:r>
+              <a:rPr lang="en-US" dirty="0">
+                <a:solidFill>
+                  <a:schemeClr val="bg1"/>
+                </a:solidFill>
+              </a:rPr>
+              <a:t>Can be calculated for each tranche and </a:t>
+            </a:r>
+            <a:r>
+              <a:rPr lang="en-US" dirty="0"/>
+              <a:t>total deal</a:t>
+            </a:r>
+            <a:endParaRPr lang="en-US" dirty="0">
+              <a:solidFill>
+                <a:schemeClr val="bg1"/>
+              </a:solidFill>
+            </a:endParaRPr>
+          </a:p>
+          <a:p>
+            <a:r>
+              <a:rPr lang="en-US" dirty="0">
+                <a:solidFill>
+                  <a:schemeClr val="bg1"/>
+                </a:solidFill>
+              </a:rPr>
+              <a:t>Reserve Account</a:t>
+            </a:r>
+          </a:p>
+          <a:p>
+            <a:pPr lvl="1"/>
+            <a:r>
+              <a:rPr lang="en-US" dirty="0"/>
+              <a:t>A cash account used to cover shortfalls</a:t>
+            </a:r>
+            <a:endParaRPr lang="en-US" dirty="0">
+              <a:solidFill>
+                <a:schemeClr val="bg1"/>
+              </a:solidFill>
+            </a:endParaRPr>
+          </a:p>
+          <a:p>
+            <a:r>
+              <a:rPr lang="en-US" dirty="0">
+                <a:solidFill>
+                  <a:schemeClr val="bg1"/>
+                </a:solidFill>
+              </a:rPr>
+              <a:t>Excess spread</a:t>
+            </a:r>
+          </a:p>
+          <a:p>
+            <a:pPr lvl="1"/>
+            <a:r>
+              <a:rPr lang="en-US" dirty="0"/>
+              <a:t>Excess of pool collections over what is owed to expenses and classes</a:t>
+            </a:r>
+            <a:endParaRPr lang="en-US" dirty="0">
+              <a:solidFill>
+                <a:schemeClr val="bg1"/>
+              </a:solidFill>
+            </a:endParaRPr>
+          </a:p>
+        </p:txBody>
+      </p:sp>
+      <p:sp>
+        <p:nvSpPr>
+          <p:cNvPr id="3" name="Title 2">
+            <a:extLst>
+              <a:ext uri="{FF2B5EF4-FFF2-40B4-BE49-F238E27FC236}">
+                <a16:creationId xmlns:a16="http://schemas.microsoft.com/office/drawing/2014/main" id="{C4395C1E-F5BB-7D78-855C-D50C27A2D29E}"/>
+              </a:ext>
+            </a:extLst>
+          </p:cNvPr>
+          <p:cNvSpPr>
+            <a:spLocks noGrp="1"/>
+          </p:cNvSpPr>
+          <p:nvPr>
+            <p:ph type="title"/>
+          </p:nvPr>
+        </p:nvSpPr>
+        <p:spPr>
+          <a:xfrm>
+            <a:off x="964023" y="879063"/>
+            <a:ext cx="9720019" cy="610863"/>
+          </a:xfrm>
+        </p:spPr>
+        <p:txBody>
+          <a:bodyPr>
+            <a:normAutofit fontScale="90000"/>
+          </a:bodyPr>
+          <a:lstStyle/>
+          <a:p>
+            <a:r>
+              <a:rPr lang="en-US" dirty="0"/>
+              <a:t>Credit Enhancement and it’s many forms</a:t>
+            </a:r>
+          </a:p>
+        </p:txBody>
+      </p:sp>
+      <p:sp>
+        <p:nvSpPr>
+          <p:cNvPr id="4" name="Footer Placeholder 3">
+            <a:extLst>
+              <a:ext uri="{FF2B5EF4-FFF2-40B4-BE49-F238E27FC236}">
+                <a16:creationId xmlns:a16="http://schemas.microsoft.com/office/drawing/2014/main" id="{AC7DF64C-6BA4-4533-A934-DDC02E3F4BEF}"/>
+              </a:ext>
+            </a:extLst>
+          </p:cNvPr>
+          <p:cNvSpPr>
+            <a:spLocks noGrp="1"/>
+          </p:cNvSpPr>
+          <p:nvPr>
+            <p:ph type="ftr" sz="quarter" idx="12"/>
+          </p:nvPr>
+        </p:nvSpPr>
+        <p:spPr/>
+        <p:txBody>
+          <a:bodyPr/>
+          <a:lstStyle/>
+          <a:p>
+            <a:r>
+              <a:rPr lang="en-US"/>
+              <a:t>OneMain Consumer Loan Review</a:t>
+            </a:r>
+            <a:endParaRPr lang="en-US" b="0" dirty="0"/>
+          </a:p>
+        </p:txBody>
+      </p:sp>
+      <p:sp>
+        <p:nvSpPr>
+          <p:cNvPr id="5" name="Slide Number Placeholder 4">
+            <a:extLst>
+              <a:ext uri="{FF2B5EF4-FFF2-40B4-BE49-F238E27FC236}">
+                <a16:creationId xmlns:a16="http://schemas.microsoft.com/office/drawing/2014/main" id="{BE524F3E-025E-E91B-B793-EAD791897945}"/>
+              </a:ext>
+            </a:extLst>
+          </p:cNvPr>
+          <p:cNvSpPr>
+            <a:spLocks noGrp="1"/>
+          </p:cNvSpPr>
+          <p:nvPr>
+            <p:ph type="sldNum" sz="quarter" idx="13"/>
+          </p:nvPr>
+        </p:nvSpPr>
+        <p:spPr/>
+        <p:txBody>
+          <a:bodyPr/>
+          <a:lstStyle/>
+          <a:p>
+            <a:fld id="{294A09A9-5501-47C1-A89A-A340965A2BE2}" type="slidenum">
+              <a:rPr lang="en-US" smtClean="0"/>
+              <a:pPr/>
+              <a:t>17</a:t>
+            </a:fld>
+            <a:endParaRPr lang="en-US" dirty="0">
+              <a:latin typeface="+mn-lt"/>
+            </a:endParaRPr>
+          </a:p>
+        </p:txBody>
+      </p:sp>
+    </p:spTree>
+    <p:extLst>
+      <p:ext uri="{BB962C8B-B14F-4D97-AF65-F5344CB8AC3E}">
+        <p14:creationId xmlns:p14="http://schemas.microsoft.com/office/powerpoint/2010/main" val="2682799367"/>
+      </p:ext>
+    </p:extLst>
+  </p:cSld>
+  <p:clrMapOvr>
+    <a:masterClrMapping/>
+  </p:clrMapOvr>
+</p:sld>
+</file>
+
 <file path=ppt/slides/slide18.xml><?xml version="1.0" encoding="utf-8"?>
 <p:sld xmlns:a="http://schemas.openxmlformats.org/drawingml/2006/main" xmlns:r="http://schemas.openxmlformats.org/officeDocument/2006/relationships" xmlns:p="http://schemas.openxmlformats.org/presentationml/2006/main">
   <p:cSld>
@@ -16069,131 +16273,6 @@
       </p:grpSpPr>
       <p:sp>
         <p:nvSpPr>
-          <p:cNvPr id="2" name="Chart Placeholder 1">
-            <a:extLst>
-              <a:ext uri="{FF2B5EF4-FFF2-40B4-BE49-F238E27FC236}">
-                <a16:creationId xmlns:a16="http://schemas.microsoft.com/office/drawing/2014/main" id="{B957F538-3A28-BAB8-DEC9-2C14346C6215}"/>
-              </a:ext>
-            </a:extLst>
-          </p:cNvPr>
-          <p:cNvSpPr>
-            <a:spLocks noGrp="1"/>
-          </p:cNvSpPr>
-          <p:nvPr>
-            <p:ph type="chart" sz="quarter" idx="10"/>
-          </p:nvPr>
-        </p:nvSpPr>
-        <p:spPr/>
-        <p:txBody>
-          <a:bodyPr/>
-          <a:lstStyle/>
-          <a:p>
-            <a:r>
-              <a:rPr lang="en-US" dirty="0">
-                <a:solidFill>
-                  <a:schemeClr val="bg1"/>
-                </a:solidFill>
-              </a:rPr>
-              <a:t>Subordination</a:t>
-            </a:r>
-          </a:p>
-          <a:p>
-            <a:pPr lvl="1"/>
-            <a:r>
-              <a:rPr lang="en-US" dirty="0"/>
-              <a:t>Percent of capital structure below each bond</a:t>
-            </a:r>
-            <a:endParaRPr lang="en-US" dirty="0">
-              <a:solidFill>
-                <a:schemeClr val="bg1"/>
-              </a:solidFill>
-            </a:endParaRPr>
-          </a:p>
-          <a:p>
-            <a:r>
-              <a:rPr lang="en-US" dirty="0">
-                <a:solidFill>
-                  <a:schemeClr val="bg1"/>
-                </a:solidFill>
-              </a:rPr>
-              <a:t>Overcollateralization</a:t>
-            </a:r>
-          </a:p>
-          <a:p>
-            <a:pPr lvl="1"/>
-            <a:r>
-              <a:rPr lang="en-US" dirty="0"/>
-              <a:t>Amount pool balance exceeds class balance</a:t>
-            </a:r>
-          </a:p>
-          <a:p>
-            <a:pPr lvl="1"/>
-            <a:r>
-              <a:rPr lang="en-US" dirty="0">
-                <a:solidFill>
-                  <a:schemeClr val="bg1"/>
-                </a:solidFill>
-              </a:rPr>
-              <a:t>Can be calculated for each tranche and </a:t>
-            </a:r>
-            <a:r>
-              <a:rPr lang="en-US" dirty="0"/>
-              <a:t>total deal</a:t>
-            </a:r>
-            <a:endParaRPr lang="en-US" dirty="0">
-              <a:solidFill>
-                <a:schemeClr val="bg1"/>
-              </a:solidFill>
-            </a:endParaRPr>
-          </a:p>
-          <a:p>
-            <a:r>
-              <a:rPr lang="en-US" dirty="0">
-                <a:solidFill>
-                  <a:schemeClr val="bg1"/>
-                </a:solidFill>
-              </a:rPr>
-              <a:t>Reserve Account</a:t>
-            </a:r>
-          </a:p>
-          <a:p>
-            <a:pPr lvl="1"/>
-            <a:r>
-              <a:rPr lang="en-US" dirty="0"/>
-              <a:t>A cash account used to cover shortfalls</a:t>
-            </a:r>
-            <a:endParaRPr lang="en-US" dirty="0">
-              <a:solidFill>
-                <a:schemeClr val="bg1"/>
-              </a:solidFill>
-            </a:endParaRPr>
-          </a:p>
-          <a:p>
-            <a:r>
-              <a:rPr lang="en-US" dirty="0">
-                <a:solidFill>
-                  <a:schemeClr val="bg1"/>
-                </a:solidFill>
-              </a:rPr>
-              <a:t>Excess spread</a:t>
-            </a:r>
-          </a:p>
-          <a:p>
-            <a:pPr lvl="1"/>
-            <a:r>
-              <a:rPr lang="en-US" dirty="0"/>
-              <a:t>Excess of pool collections over what is owed to expenses and classes</a:t>
-            </a:r>
-            <a:endParaRPr lang="en-US" dirty="0">
-              <a:solidFill>
-                <a:schemeClr val="bg1"/>
-              </a:solidFill>
-            </a:endParaRPr>
-          </a:p>
-        </p:txBody>
-      </p:sp>
-      <p:sp>
-        <p:nvSpPr>
           <p:cNvPr id="3" name="Title 2">
             <a:extLst>
               <a:ext uri="{FF2B5EF4-FFF2-40B4-BE49-F238E27FC236}">
@@ -16288,10 +16367,70 @@
           </a:p>
         </p:txBody>
       </p:sp>
+      <p:pic>
+        <p:nvPicPr>
+          <p:cNvPr id="8" name="Picture 7">
+            <a:extLst>
+              <a:ext uri="{FF2B5EF4-FFF2-40B4-BE49-F238E27FC236}">
+                <a16:creationId xmlns:a16="http://schemas.microsoft.com/office/drawing/2014/main" id="{09D43715-1C10-7E5D-D161-1F4549091A01}"/>
+              </a:ext>
+            </a:extLst>
+          </p:cNvPr>
+          <p:cNvPicPr>
+            <a:picLocks noChangeAspect="1"/>
+          </p:cNvPicPr>
+          <p:nvPr/>
+        </p:nvPicPr>
+        <p:blipFill>
+          <a:blip r:embed="rId2"/>
+          <a:stretch>
+            <a:fillRect/>
+          </a:stretch>
+        </p:blipFill>
+        <p:spPr>
+          <a:xfrm>
+            <a:off x="821502" y="2007477"/>
+            <a:ext cx="10005060" cy="1478280"/>
+          </a:xfrm>
+          <a:prstGeom prst="rect">
+            <a:avLst/>
+          </a:prstGeom>
+        </p:spPr>
+      </p:pic>
+      <p:pic>
+        <p:nvPicPr>
+          <p:cNvPr id="9" name="Picture 8">
+            <a:extLst>
+              <a:ext uri="{FF2B5EF4-FFF2-40B4-BE49-F238E27FC236}">
+                <a16:creationId xmlns:a16="http://schemas.microsoft.com/office/drawing/2014/main" id="{A583EE90-9D3F-AF71-EEF3-DE4A33F8FFEF}"/>
+              </a:ext>
+            </a:extLst>
+          </p:cNvPr>
+          <p:cNvPicPr>
+            <a:picLocks noChangeAspect="1"/>
+          </p:cNvPicPr>
+          <p:nvPr/>
+        </p:nvPicPr>
+        <p:blipFill>
+          <a:blip r:embed="rId3"/>
+          <a:stretch>
+            <a:fillRect/>
+          </a:stretch>
+        </p:blipFill>
+        <p:spPr>
+          <a:xfrm>
+            <a:off x="1244412" y="4003308"/>
+            <a:ext cx="9159240" cy="1844040"/>
+          </a:xfrm>
+          <a:prstGeom prst="rect">
+            <a:avLst/>
+          </a:prstGeom>
+        </p:spPr>
+      </p:pic>
     </p:spTree>
     <p:extLst>
       <p:ext uri="{BB962C8B-B14F-4D97-AF65-F5344CB8AC3E}">
-        <p14:creationId xmlns:p14="http://schemas.microsoft.com/office/powerpoint/2010/main" val="2682799367"/>
+        <p14:creationId xmlns:p14="http://schemas.microsoft.com/office/powerpoint/2010/main" val="692747950"/>
       </p:ext>
     </p:extLst>
   </p:cSld>
@@ -16320,10 +16459,35 @@
       </p:grpSpPr>
       <p:sp>
         <p:nvSpPr>
+          <p:cNvPr id="2" name="Chart Placeholder 1">
+            <a:extLst>
+              <a:ext uri="{FF2B5EF4-FFF2-40B4-BE49-F238E27FC236}">
+                <a16:creationId xmlns:a16="http://schemas.microsoft.com/office/drawing/2014/main" id="{018947B4-BE5E-F0D8-6294-D5905ED14C45}"/>
+              </a:ext>
+            </a:extLst>
+          </p:cNvPr>
+          <p:cNvSpPr>
+            <a:spLocks noGrp="1"/>
+          </p:cNvSpPr>
+          <p:nvPr>
+            <p:ph type="chart" sz="quarter" idx="10"/>
+          </p:nvPr>
+        </p:nvSpPr>
+        <p:spPr/>
+        <p:txBody>
+          <a:bodyPr/>
+          <a:lstStyle/>
+          <a:p>
+            <a:endParaRPr lang="en-US"/>
+          </a:p>
+        </p:txBody>
+      </p:sp>
+      <p:sp>
+        <p:nvSpPr>
           <p:cNvPr id="3" name="Title 2">
             <a:extLst>
               <a:ext uri="{FF2B5EF4-FFF2-40B4-BE49-F238E27FC236}">
-                <a16:creationId xmlns:a16="http://schemas.microsoft.com/office/drawing/2014/main" id="{C4395C1E-F5BB-7D78-855C-D50C27A2D29E}"/>
+                <a16:creationId xmlns:a16="http://schemas.microsoft.com/office/drawing/2014/main" id="{05DE0B19-E0FE-4D52-0086-692B0E1F54F2}"/>
               </a:ext>
             </a:extLst>
           </p:cNvPr>
@@ -16337,7 +16501,7 @@
         <p:spPr>
           <a:xfrm>
             <a:off x="964023" y="879063"/>
-            <a:ext cx="9720019" cy="610863"/>
+            <a:ext cx="9663872" cy="610863"/>
           </a:xfrm>
         </p:spPr>
         <p:txBody>
@@ -16358,7 +16522,7 @@
           <p:cNvPr id="4" name="Footer Placeholder 3">
             <a:extLst>
               <a:ext uri="{FF2B5EF4-FFF2-40B4-BE49-F238E27FC236}">
-                <a16:creationId xmlns:a16="http://schemas.microsoft.com/office/drawing/2014/main" id="{AC7DF64C-6BA4-4533-A934-DDC02E3F4BEF}"/>
+                <a16:creationId xmlns:a16="http://schemas.microsoft.com/office/drawing/2014/main" id="{F0A29BEF-3437-0108-5D95-696C86932999}"/>
               </a:ext>
             </a:extLst>
           </p:cNvPr>
@@ -16387,7 +16551,7 @@
           <p:cNvPr id="5" name="Slide Number Placeholder 4">
             <a:extLst>
               <a:ext uri="{FF2B5EF4-FFF2-40B4-BE49-F238E27FC236}">
-                <a16:creationId xmlns:a16="http://schemas.microsoft.com/office/drawing/2014/main" id="{BE524F3E-025E-E91B-B793-EAD791897945}"/>
+                <a16:creationId xmlns:a16="http://schemas.microsoft.com/office/drawing/2014/main" id="{75A71B06-B758-CAD7-44B9-9E6069D1E95B}"/>
               </a:ext>
             </a:extLst>
           </p:cNvPr>
@@ -16416,10 +16580,10 @@
       </p:sp>
       <p:pic>
         <p:nvPicPr>
-          <p:cNvPr id="8" name="Picture 7">
-            <a:extLst>
-              <a:ext uri="{FF2B5EF4-FFF2-40B4-BE49-F238E27FC236}">
-                <a16:creationId xmlns:a16="http://schemas.microsoft.com/office/drawing/2014/main" id="{09D43715-1C10-7E5D-D161-1F4549091A01}"/>
+          <p:cNvPr id="7" name="Picture 6">
+            <a:extLst>
+              <a:ext uri="{FF2B5EF4-FFF2-40B4-BE49-F238E27FC236}">
+                <a16:creationId xmlns:a16="http://schemas.microsoft.com/office/drawing/2014/main" id="{231CE6F8-9EA7-10D9-2727-77C906DEA215}"/>
               </a:ext>
             </a:extLst>
           </p:cNvPr>
@@ -16436,38 +16600,8 @@
         </p:blipFill>
         <p:spPr>
           <a:xfrm>
-            <a:off x="821502" y="2007477"/>
-            <a:ext cx="10005060" cy="1478280"/>
-          </a:xfrm>
-          <a:prstGeom prst="rect">
-            <a:avLst/>
-          </a:prstGeom>
-        </p:spPr>
-      </p:pic>
-      <p:pic>
-        <p:nvPicPr>
-          <p:cNvPr id="9" name="Picture 8">
-            <a:extLst>
-              <a:ext uri="{FF2B5EF4-FFF2-40B4-BE49-F238E27FC236}">
-                <a16:creationId xmlns:a16="http://schemas.microsoft.com/office/drawing/2014/main" id="{A583EE90-9D3F-AF71-EEF3-DE4A33F8FFEF}"/>
-              </a:ext>
-            </a:extLst>
-          </p:cNvPr>
-          <p:cNvPicPr>
-            <a:picLocks noChangeAspect="1"/>
-          </p:cNvPicPr>
-          <p:nvPr/>
-        </p:nvPicPr>
-        <p:blipFill>
-          <a:blip r:embed="rId3"/>
-          <a:stretch>
-            <a:fillRect/>
-          </a:stretch>
-        </p:blipFill>
-        <p:spPr>
-          <a:xfrm>
-            <a:off x="1244412" y="4003308"/>
-            <a:ext cx="9159240" cy="1844040"/>
+            <a:off x="928646" y="1599020"/>
+            <a:ext cx="10352810" cy="4721869"/>
           </a:xfrm>
           <a:prstGeom prst="rect">
             <a:avLst/>
@@ -16477,7 +16611,7 @@
     </p:spTree>
     <p:extLst>
       <p:ext uri="{BB962C8B-B14F-4D97-AF65-F5344CB8AC3E}">
-        <p14:creationId xmlns:p14="http://schemas.microsoft.com/office/powerpoint/2010/main" val="692747950"/>
+        <p14:creationId xmlns:p14="http://schemas.microsoft.com/office/powerpoint/2010/main" val="954507828"/>
       </p:ext>
     </p:extLst>
   </p:cSld>
@@ -16899,7 +17033,7 @@
             <a:fld id="{6FCA8E82-58CD-E045-8B98-B7A85B79B752}" type="datetime4">
               <a:rPr lang="en-US" smtClean="0"/>
               <a:pPr/>
-              <a:t>November 11, 2023</a:t>
+              <a:t>November 13, 2023</a:t>
             </a:fld>
             <a:endParaRPr lang="en-US" dirty="0"/>
           </a:p>
@@ -16940,7 +17074,7 @@
           <p:cNvPr id="2" name="Chart Placeholder 1">
             <a:extLst>
               <a:ext uri="{FF2B5EF4-FFF2-40B4-BE49-F238E27FC236}">
-                <a16:creationId xmlns:a16="http://schemas.microsoft.com/office/drawing/2014/main" id="{018947B4-BE5E-F0D8-6294-D5905ED14C45}"/>
+                <a16:creationId xmlns:a16="http://schemas.microsoft.com/office/drawing/2014/main" id="{DBE9131C-9946-D420-6B4C-32E5438662EC}"/>
               </a:ext>
             </a:extLst>
           </p:cNvPr>
@@ -16965,7 +17099,7 @@
           <p:cNvPr id="3" name="Title 2">
             <a:extLst>
               <a:ext uri="{FF2B5EF4-FFF2-40B4-BE49-F238E27FC236}">
-                <a16:creationId xmlns:a16="http://schemas.microsoft.com/office/drawing/2014/main" id="{05DE0B19-E0FE-4D52-0086-692B0E1F54F2}"/>
+                <a16:creationId xmlns:a16="http://schemas.microsoft.com/office/drawing/2014/main" id="{BB136A35-D961-8872-979A-9A0E453FD706}"/>
               </a:ext>
             </a:extLst>
           </p:cNvPr>
@@ -16976,21 +17110,14 @@
             <p:ph type="title"/>
           </p:nvPr>
         </p:nvSpPr>
-        <p:spPr>
-          <a:xfrm>
-            <a:off x="964023" y="879063"/>
-            <a:ext cx="9663872" cy="610863"/>
-          </a:xfrm>
-        </p:spPr>
+        <p:spPr/>
         <p:txBody>
-          <a:bodyPr>
-            <a:normAutofit fontScale="90000"/>
-          </a:bodyPr>
+          <a:bodyPr/>
           <a:lstStyle/>
           <a:p>
             <a:r>
               <a:rPr lang="en-US" dirty="0"/>
-              <a:t>Credit Enhancement and it’s many forms</a:t>
+              <a:t>Returns to date</a:t>
             </a:r>
           </a:p>
         </p:txBody>
@@ -17000,7 +17127,7 @@
           <p:cNvPr id="4" name="Footer Placeholder 3">
             <a:extLst>
               <a:ext uri="{FF2B5EF4-FFF2-40B4-BE49-F238E27FC236}">
-                <a16:creationId xmlns:a16="http://schemas.microsoft.com/office/drawing/2014/main" id="{F0A29BEF-3437-0108-5D95-696C86932999}"/>
+                <a16:creationId xmlns:a16="http://schemas.microsoft.com/office/drawing/2014/main" id="{7F21769D-A162-9DB6-496C-7A2DE4033A22}"/>
               </a:ext>
             </a:extLst>
           </p:cNvPr>
@@ -17029,7 +17156,7 @@
           <p:cNvPr id="5" name="Slide Number Placeholder 4">
             <a:extLst>
               <a:ext uri="{FF2B5EF4-FFF2-40B4-BE49-F238E27FC236}">
-                <a16:creationId xmlns:a16="http://schemas.microsoft.com/office/drawing/2014/main" id="{75A71B06-B758-CAD7-44B9-9E6069D1E95B}"/>
+                <a16:creationId xmlns:a16="http://schemas.microsoft.com/office/drawing/2014/main" id="{AA661E57-61D7-15EE-665D-05F6893A31B9}"/>
               </a:ext>
             </a:extLst>
           </p:cNvPr>
@@ -17049,180 +17176,6 @@
               <a:rPr lang="en-US" smtClean="0"/>
               <a:pPr/>
               <a:t>20</a:t>
-            </a:fld>
-            <a:endParaRPr lang="en-US" dirty="0">
-              <a:latin typeface="+mn-lt"/>
-            </a:endParaRPr>
-          </a:p>
-        </p:txBody>
-      </p:sp>
-      <p:pic>
-        <p:nvPicPr>
-          <p:cNvPr id="7" name="Picture 6">
-            <a:extLst>
-              <a:ext uri="{FF2B5EF4-FFF2-40B4-BE49-F238E27FC236}">
-                <a16:creationId xmlns:a16="http://schemas.microsoft.com/office/drawing/2014/main" id="{231CE6F8-9EA7-10D9-2727-77C906DEA215}"/>
-              </a:ext>
-            </a:extLst>
-          </p:cNvPr>
-          <p:cNvPicPr>
-            <a:picLocks noChangeAspect="1"/>
-          </p:cNvPicPr>
-          <p:nvPr/>
-        </p:nvPicPr>
-        <p:blipFill>
-          <a:blip r:embed="rId2"/>
-          <a:stretch>
-            <a:fillRect/>
-          </a:stretch>
-        </p:blipFill>
-        <p:spPr>
-          <a:xfrm>
-            <a:off x="928646" y="1599020"/>
-            <a:ext cx="10352810" cy="4721869"/>
-          </a:xfrm>
-          <a:prstGeom prst="rect">
-            <a:avLst/>
-          </a:prstGeom>
-        </p:spPr>
-      </p:pic>
-    </p:spTree>
-    <p:extLst>
-      <p:ext uri="{BB962C8B-B14F-4D97-AF65-F5344CB8AC3E}">
-        <p14:creationId xmlns:p14="http://schemas.microsoft.com/office/powerpoint/2010/main" val="954507828"/>
-      </p:ext>
-    </p:extLst>
-  </p:cSld>
-  <p:clrMapOvr>
-    <a:masterClrMapping/>
-  </p:clrMapOvr>
-</p:sld>
-</file>
-
-<file path=ppt/slides/slide21.xml><?xml version="1.0" encoding="utf-8"?>
-<p:sld xmlns:a="http://schemas.openxmlformats.org/drawingml/2006/main" xmlns:r="http://schemas.openxmlformats.org/officeDocument/2006/relationships" xmlns:p="http://schemas.openxmlformats.org/presentationml/2006/main">
-  <p:cSld>
-    <p:spTree>
-      <p:nvGrpSpPr>
-        <p:cNvPr id="1" name=""/>
-        <p:cNvGrpSpPr/>
-        <p:nvPr/>
-      </p:nvGrpSpPr>
-      <p:grpSpPr>
-        <a:xfrm>
-          <a:off x="0" y="0"/>
-          <a:ext cx="0" cy="0"/>
-          <a:chOff x="0" y="0"/>
-          <a:chExt cx="0" cy="0"/>
-        </a:xfrm>
-      </p:grpSpPr>
-      <p:sp>
-        <p:nvSpPr>
-          <p:cNvPr id="2" name="Chart Placeholder 1">
-            <a:extLst>
-              <a:ext uri="{FF2B5EF4-FFF2-40B4-BE49-F238E27FC236}">
-                <a16:creationId xmlns:a16="http://schemas.microsoft.com/office/drawing/2014/main" id="{DBE9131C-9946-D420-6B4C-32E5438662EC}"/>
-              </a:ext>
-            </a:extLst>
-          </p:cNvPr>
-          <p:cNvSpPr>
-            <a:spLocks noGrp="1"/>
-          </p:cNvSpPr>
-          <p:nvPr>
-            <p:ph type="chart" sz="quarter" idx="10"/>
-          </p:nvPr>
-        </p:nvSpPr>
-        <p:spPr/>
-        <p:txBody>
-          <a:bodyPr/>
-          <a:lstStyle/>
-          <a:p>
-            <a:endParaRPr lang="en-US"/>
-          </a:p>
-        </p:txBody>
-      </p:sp>
-      <p:sp>
-        <p:nvSpPr>
-          <p:cNvPr id="3" name="Title 2">
-            <a:extLst>
-              <a:ext uri="{FF2B5EF4-FFF2-40B4-BE49-F238E27FC236}">
-                <a16:creationId xmlns:a16="http://schemas.microsoft.com/office/drawing/2014/main" id="{BB136A35-D961-8872-979A-9A0E453FD706}"/>
-              </a:ext>
-            </a:extLst>
-          </p:cNvPr>
-          <p:cNvSpPr>
-            <a:spLocks noGrp="1"/>
-          </p:cNvSpPr>
-          <p:nvPr>
-            <p:ph type="title"/>
-          </p:nvPr>
-        </p:nvSpPr>
-        <p:spPr/>
-        <p:txBody>
-          <a:bodyPr/>
-          <a:lstStyle/>
-          <a:p>
-            <a:r>
-              <a:rPr lang="en-US" dirty="0"/>
-              <a:t>Returns to date</a:t>
-            </a:r>
-          </a:p>
-        </p:txBody>
-      </p:sp>
-      <p:sp>
-        <p:nvSpPr>
-          <p:cNvPr id="4" name="Footer Placeholder 3">
-            <a:extLst>
-              <a:ext uri="{FF2B5EF4-FFF2-40B4-BE49-F238E27FC236}">
-                <a16:creationId xmlns:a16="http://schemas.microsoft.com/office/drawing/2014/main" id="{7F21769D-A162-9DB6-496C-7A2DE4033A22}"/>
-              </a:ext>
-            </a:extLst>
-          </p:cNvPr>
-          <p:cNvSpPr>
-            <a:spLocks noGrp="1"/>
-          </p:cNvSpPr>
-          <p:nvPr>
-            <p:ph type="ftr" sz="quarter" idx="12"/>
-          </p:nvPr>
-        </p:nvSpPr>
-        <p:spPr/>
-        <p:txBody>
-          <a:bodyPr/>
-          <a:lstStyle/>
-          <a:p>
-            <a:r>
-              <a:rPr lang="en-US"/>
-              <a:t>OneMain Consumer Loan Review</a:t>
-            </a:r>
-            <a:endParaRPr lang="en-US" b="0" dirty="0"/>
-          </a:p>
-        </p:txBody>
-      </p:sp>
-      <p:sp>
-        <p:nvSpPr>
-          <p:cNvPr id="5" name="Slide Number Placeholder 4">
-            <a:extLst>
-              <a:ext uri="{FF2B5EF4-FFF2-40B4-BE49-F238E27FC236}">
-                <a16:creationId xmlns:a16="http://schemas.microsoft.com/office/drawing/2014/main" id="{AA661E57-61D7-15EE-665D-05F6893A31B9}"/>
-              </a:ext>
-            </a:extLst>
-          </p:cNvPr>
-          <p:cNvSpPr>
-            <a:spLocks noGrp="1"/>
-          </p:cNvSpPr>
-          <p:nvPr>
-            <p:ph type="sldNum" sz="quarter" idx="13"/>
-          </p:nvPr>
-        </p:nvSpPr>
-        <p:spPr/>
-        <p:txBody>
-          <a:bodyPr/>
-          <a:lstStyle/>
-          <a:p>
-            <a:fld id="{294A09A9-5501-47C1-A89A-A340965A2BE2}" type="slidenum">
-              <a:rPr lang="en-US" smtClean="0"/>
-              <a:pPr/>
-              <a:t>21</a:t>
             </a:fld>
             <a:endParaRPr lang="en-US" dirty="0">
               <a:latin typeface="+mn-lt"/>
@@ -17273,7 +17226,7 @@
 </p:sld>
 </file>
 
-<file path=ppt/slides/slide22.xml><?xml version="1.0" encoding="utf-8"?>
+<file path=ppt/slides/slide21.xml><?xml version="1.0" encoding="utf-8"?>
 <p:sld xmlns:a="http://schemas.openxmlformats.org/drawingml/2006/main" xmlns:r="http://schemas.openxmlformats.org/officeDocument/2006/relationships" xmlns:p="http://schemas.openxmlformats.org/presentationml/2006/main">
   <p:cSld>
     <p:spTree>
@@ -17847,7 +17800,7 @@
             <a:fld id="{6FCA8E82-58CD-E045-8B98-B7A85B79B752}" type="datetime4">
               <a:rPr lang="en-US" smtClean="0"/>
               <a:pPr/>
-              <a:t>November 11, 2023</a:t>
+              <a:t>November 13, 2023</a:t>
             </a:fld>
             <a:endParaRPr lang="en-US" dirty="0"/>
           </a:p>
@@ -19840,607 +19793,6 @@
           </a:p>
         </p:txBody>
       </p:sp>
-    </p:spTree>
-    <p:extLst>
-      <p:ext uri="{BB962C8B-B14F-4D97-AF65-F5344CB8AC3E}">
-        <p14:creationId xmlns:p14="http://schemas.microsoft.com/office/powerpoint/2010/main" val="34324083"/>
-      </p:ext>
-    </p:extLst>
-  </p:cSld>
-  <p:clrMapOvr>
-    <a:masterClrMapping/>
-  </p:clrMapOvr>
-</p:sld>
-</file>
-
-<file path=ppt/slides/slide8.xml><?xml version="1.0" encoding="utf-8"?>
-<p:sld xmlns:a="http://schemas.openxmlformats.org/drawingml/2006/main" xmlns:r="http://schemas.openxmlformats.org/officeDocument/2006/relationships" xmlns:p="http://schemas.openxmlformats.org/presentationml/2006/main">
-  <p:cSld>
-    <p:spTree>
-      <p:nvGrpSpPr>
-        <p:cNvPr id="1" name=""/>
-        <p:cNvGrpSpPr/>
-        <p:nvPr/>
-      </p:nvGrpSpPr>
-      <p:grpSpPr>
-        <a:xfrm>
-          <a:off x="0" y="0"/>
-          <a:ext cx="0" cy="0"/>
-          <a:chOff x="0" y="0"/>
-          <a:chExt cx="0" cy="0"/>
-        </a:xfrm>
-      </p:grpSpPr>
-      <p:sp>
-        <p:nvSpPr>
-          <p:cNvPr id="2" name="Chart Placeholder 1">
-            <a:extLst>
-              <a:ext uri="{FF2B5EF4-FFF2-40B4-BE49-F238E27FC236}">
-                <a16:creationId xmlns:a16="http://schemas.microsoft.com/office/drawing/2014/main" id="{FA578DDC-CD42-6D5A-A74A-EE699CF29ABF}"/>
-              </a:ext>
-            </a:extLst>
-          </p:cNvPr>
-          <p:cNvSpPr>
-            <a:spLocks noGrp="1"/>
-          </p:cNvSpPr>
-          <p:nvPr>
-            <p:ph type="chart" sz="quarter" idx="10"/>
-          </p:nvPr>
-        </p:nvSpPr>
-        <p:spPr>
-          <a:xfrm>
-            <a:off x="952500" y="1939108"/>
-            <a:ext cx="3964405" cy="507313"/>
-          </a:xfrm>
-        </p:spPr>
-        <p:txBody>
-          <a:bodyPr/>
-          <a:lstStyle/>
-          <a:p>
-            <a:pPr marL="0" indent="0">
-              <a:buNone/>
-            </a:pPr>
-            <a:r>
-              <a:rPr lang="en-US" dirty="0">
-                <a:solidFill>
-                  <a:schemeClr val="bg1"/>
-                </a:solidFill>
-              </a:rPr>
-              <a:t>Toyota (prime auto loans)</a:t>
-            </a:r>
-          </a:p>
-          <a:p>
-            <a:pPr marL="0" indent="0">
-              <a:buNone/>
-            </a:pPr>
-            <a:endParaRPr lang="en-US" dirty="0">
-              <a:solidFill>
-                <a:schemeClr val="bg1"/>
-              </a:solidFill>
-            </a:endParaRPr>
-          </a:p>
-        </p:txBody>
-      </p:sp>
-      <p:sp>
-        <p:nvSpPr>
-          <p:cNvPr id="3" name="Title 2">
-            <a:extLst>
-              <a:ext uri="{FF2B5EF4-FFF2-40B4-BE49-F238E27FC236}">
-                <a16:creationId xmlns:a16="http://schemas.microsoft.com/office/drawing/2014/main" id="{2CFC905B-8145-6DF3-5F49-BFC73F0D5A31}"/>
-              </a:ext>
-            </a:extLst>
-          </p:cNvPr>
-          <p:cNvSpPr>
-            <a:spLocks noGrp="1"/>
-          </p:cNvSpPr>
-          <p:nvPr>
-            <p:ph type="title"/>
-          </p:nvPr>
-        </p:nvSpPr>
-        <p:spPr/>
-        <p:txBody>
-          <a:bodyPr/>
-          <a:lstStyle/>
-          <a:p>
-            <a:r>
-              <a:rPr lang="en-US" dirty="0"/>
-              <a:t>Risk vs Return</a:t>
-            </a:r>
-          </a:p>
-        </p:txBody>
-      </p:sp>
-      <p:sp>
-        <p:nvSpPr>
-          <p:cNvPr id="4" name="Footer Placeholder 3">
-            <a:extLst>
-              <a:ext uri="{FF2B5EF4-FFF2-40B4-BE49-F238E27FC236}">
-                <a16:creationId xmlns:a16="http://schemas.microsoft.com/office/drawing/2014/main" id="{345B17FD-05CB-046B-494F-11CAD1AE4489}"/>
-              </a:ext>
-            </a:extLst>
-          </p:cNvPr>
-          <p:cNvSpPr>
-            <a:spLocks noGrp="1"/>
-          </p:cNvSpPr>
-          <p:nvPr>
-            <p:ph type="ftr" sz="quarter" idx="12"/>
-          </p:nvPr>
-        </p:nvSpPr>
-        <p:spPr/>
-        <p:txBody>
-          <a:bodyPr/>
-          <a:lstStyle/>
-          <a:p>
-            <a:r>
-              <a:rPr lang="en-US"/>
-              <a:t>OneMain Consumer Loan Review</a:t>
-            </a:r>
-            <a:endParaRPr lang="en-US" b="0" dirty="0"/>
-          </a:p>
-        </p:txBody>
-      </p:sp>
-      <p:sp>
-        <p:nvSpPr>
-          <p:cNvPr id="5" name="Slide Number Placeholder 4">
-            <a:extLst>
-              <a:ext uri="{FF2B5EF4-FFF2-40B4-BE49-F238E27FC236}">
-                <a16:creationId xmlns:a16="http://schemas.microsoft.com/office/drawing/2014/main" id="{B5412D3D-06E5-A277-82C1-FAB08E8CC8D0}"/>
-              </a:ext>
-            </a:extLst>
-          </p:cNvPr>
-          <p:cNvSpPr>
-            <a:spLocks noGrp="1"/>
-          </p:cNvSpPr>
-          <p:nvPr>
-            <p:ph type="sldNum" sz="quarter" idx="13"/>
-          </p:nvPr>
-        </p:nvSpPr>
-        <p:spPr/>
-        <p:txBody>
-          <a:bodyPr/>
-          <a:lstStyle/>
-          <a:p>
-            <a:fld id="{294A09A9-5501-47C1-A89A-A340965A2BE2}" type="slidenum">
-              <a:rPr lang="en-US" smtClean="0"/>
-              <a:pPr/>
-              <a:t>8</a:t>
-            </a:fld>
-            <a:endParaRPr lang="en-US" dirty="0">
-              <a:latin typeface="+mn-lt"/>
-            </a:endParaRPr>
-          </a:p>
-        </p:txBody>
-      </p:sp>
-      <p:grpSp>
-        <p:nvGrpSpPr>
-          <p:cNvPr id="10" name="Group 9">
-            <a:extLst>
-              <a:ext uri="{FF2B5EF4-FFF2-40B4-BE49-F238E27FC236}">
-                <a16:creationId xmlns:a16="http://schemas.microsoft.com/office/drawing/2014/main" id="{AA6BD7D1-7360-DC17-9511-B0ED21E919DA}"/>
-              </a:ext>
-            </a:extLst>
-          </p:cNvPr>
-          <p:cNvGrpSpPr/>
-          <p:nvPr/>
-        </p:nvGrpSpPr>
-        <p:grpSpPr>
-          <a:xfrm>
-            <a:off x="357304" y="2681701"/>
-            <a:ext cx="5016437" cy="2339543"/>
-            <a:chOff x="886690" y="2681701"/>
-            <a:chExt cx="5016437" cy="2339543"/>
-          </a:xfrm>
-        </p:grpSpPr>
-        <p:pic>
-          <p:nvPicPr>
-            <p:cNvPr id="7" name="Picture 6">
-              <a:extLst>
-                <a:ext uri="{FF2B5EF4-FFF2-40B4-BE49-F238E27FC236}">
-                  <a16:creationId xmlns:a16="http://schemas.microsoft.com/office/drawing/2014/main" id="{DE69421A-6501-8A1B-4732-58A4AC59E91B}"/>
-                </a:ext>
-              </a:extLst>
-            </p:cNvPr>
-            <p:cNvPicPr>
-              <a:picLocks noChangeAspect="1"/>
-            </p:cNvPicPr>
-            <p:nvPr/>
-          </p:nvPicPr>
-          <p:blipFill>
-            <a:blip r:embed="rId2"/>
-            <a:stretch>
-              <a:fillRect/>
-            </a:stretch>
-          </p:blipFill>
-          <p:spPr>
-            <a:xfrm>
-              <a:off x="886690" y="2681701"/>
-              <a:ext cx="2598645" cy="2339543"/>
-            </a:xfrm>
-            <a:prstGeom prst="rect">
-              <a:avLst/>
-            </a:prstGeom>
-          </p:spPr>
-        </p:pic>
-        <p:pic>
-          <p:nvPicPr>
-            <p:cNvPr id="9" name="Picture 8">
-              <a:extLst>
-                <a:ext uri="{FF2B5EF4-FFF2-40B4-BE49-F238E27FC236}">
-                  <a16:creationId xmlns:a16="http://schemas.microsoft.com/office/drawing/2014/main" id="{FD63A5DD-A825-58BD-E7BA-26D26F212BDC}"/>
-                </a:ext>
-              </a:extLst>
-            </p:cNvPr>
-            <p:cNvPicPr>
-              <a:picLocks noChangeAspect="1"/>
-            </p:cNvPicPr>
-            <p:nvPr/>
-          </p:nvPicPr>
-          <p:blipFill>
-            <a:blip r:embed="rId3"/>
-            <a:stretch>
-              <a:fillRect/>
-            </a:stretch>
-          </p:blipFill>
-          <p:spPr>
-            <a:xfrm>
-              <a:off x="3494998" y="2705764"/>
-              <a:ext cx="2408129" cy="2270957"/>
-            </a:xfrm>
-            <a:prstGeom prst="rect">
-              <a:avLst/>
-            </a:prstGeom>
-          </p:spPr>
-        </p:pic>
-      </p:grpSp>
-      <p:grpSp>
-        <p:nvGrpSpPr>
-          <p:cNvPr id="17" name="Group 16">
-            <a:extLst>
-              <a:ext uri="{FF2B5EF4-FFF2-40B4-BE49-F238E27FC236}">
-                <a16:creationId xmlns:a16="http://schemas.microsoft.com/office/drawing/2014/main" id="{8B8CAEE4-9C24-07A7-EC00-DB0518FA7F67}"/>
-              </a:ext>
-            </a:extLst>
-          </p:cNvPr>
-          <p:cNvGrpSpPr/>
-          <p:nvPr/>
-        </p:nvGrpSpPr>
-        <p:grpSpPr>
-          <a:xfrm>
-            <a:off x="6448555" y="2697743"/>
-            <a:ext cx="5113463" cy="2637149"/>
-            <a:chOff x="6079589" y="2705764"/>
-            <a:chExt cx="5113463" cy="2637149"/>
-          </a:xfrm>
-        </p:grpSpPr>
-        <p:pic>
-          <p:nvPicPr>
-            <p:cNvPr id="12" name="Picture 11">
-              <a:extLst>
-                <a:ext uri="{FF2B5EF4-FFF2-40B4-BE49-F238E27FC236}">
-                  <a16:creationId xmlns:a16="http://schemas.microsoft.com/office/drawing/2014/main" id="{6FA03A47-8E37-E966-E6A3-06225051318D}"/>
-                </a:ext>
-              </a:extLst>
-            </p:cNvPr>
-            <p:cNvPicPr>
-              <a:picLocks noChangeAspect="1"/>
-            </p:cNvPicPr>
-            <p:nvPr/>
-          </p:nvPicPr>
-          <p:blipFill>
-            <a:blip r:embed="rId4"/>
-            <a:stretch>
-              <a:fillRect/>
-            </a:stretch>
-          </p:blipFill>
-          <p:spPr>
-            <a:xfrm>
-              <a:off x="6079589" y="2705764"/>
-              <a:ext cx="2507197" cy="2621507"/>
-            </a:xfrm>
-            <a:prstGeom prst="rect">
-              <a:avLst/>
-            </a:prstGeom>
-          </p:spPr>
-        </p:pic>
-        <p:pic>
-          <p:nvPicPr>
-            <p:cNvPr id="16" name="Picture 15">
-              <a:extLst>
-                <a:ext uri="{FF2B5EF4-FFF2-40B4-BE49-F238E27FC236}">
-                  <a16:creationId xmlns:a16="http://schemas.microsoft.com/office/drawing/2014/main" id="{33DB5C2F-0C5C-8D3C-776A-10F04A3104B3}"/>
-                </a:ext>
-              </a:extLst>
-            </p:cNvPr>
-            <p:cNvPicPr>
-              <a:picLocks noChangeAspect="1"/>
-            </p:cNvPicPr>
-            <p:nvPr/>
-          </p:nvPicPr>
-          <p:blipFill>
-            <a:blip r:embed="rId5"/>
-            <a:stretch>
-              <a:fillRect/>
-            </a:stretch>
-          </p:blipFill>
-          <p:spPr>
-            <a:xfrm>
-              <a:off x="8586786" y="2713785"/>
-              <a:ext cx="2606266" cy="2629128"/>
-            </a:xfrm>
-            <a:prstGeom prst="rect">
-              <a:avLst/>
-            </a:prstGeom>
-          </p:spPr>
-        </p:pic>
-      </p:grpSp>
-      <p:sp>
-        <p:nvSpPr>
-          <p:cNvPr id="18" name="Chart Placeholder 1">
-            <a:extLst>
-              <a:ext uri="{FF2B5EF4-FFF2-40B4-BE49-F238E27FC236}">
-                <a16:creationId xmlns:a16="http://schemas.microsoft.com/office/drawing/2014/main" id="{2E82B78C-7936-938B-3C10-7511E593FD96}"/>
-              </a:ext>
-            </a:extLst>
-          </p:cNvPr>
-          <p:cNvSpPr txBox="1">
-            <a:spLocks/>
-          </p:cNvSpPr>
-          <p:nvPr/>
-        </p:nvSpPr>
-        <p:spPr>
-          <a:xfrm>
-            <a:off x="6973549" y="1932763"/>
-            <a:ext cx="3964405" cy="507313"/>
-          </a:xfrm>
-          <a:prstGeom prst="rect">
-            <a:avLst/>
-          </a:prstGeom>
-        </p:spPr>
-        <p:txBody>
-          <a:bodyPr vert="horz" lIns="91440" tIns="45720" rIns="91440" bIns="45720" rtlCol="0">
-            <a:normAutofit fontScale="85000" lnSpcReduction="10000"/>
-          </a:bodyPr>
-          <a:lstStyle>
-            <a:lvl1pPr marL="228600" indent="-228600" algn="l" defTabSz="914400" rtl="0" eaLnBrk="1" latinLnBrk="0" hangingPunct="1">
-              <a:lnSpc>
-                <a:spcPct val="90000"/>
-              </a:lnSpc>
-              <a:spcBef>
-                <a:spcPts val="1000"/>
-              </a:spcBef>
-              <a:buFont typeface="Arial" panose="020B0604020202020204" pitchFamily="34" charset="0"/>
-              <a:buChar char="•"/>
-              <a:defRPr sz="2800" b="0" i="0" kern="1200">
-                <a:solidFill>
-                  <a:schemeClr val="tx1"/>
-                </a:solidFill>
-                <a:latin typeface="+mn-lt"/>
-                <a:ea typeface="+mn-ea"/>
-                <a:cs typeface="+mn-cs"/>
-              </a:defRPr>
-            </a:lvl1pPr>
-            <a:lvl2pPr marL="685800" indent="-228600" algn="l" defTabSz="914400" rtl="0" eaLnBrk="1" latinLnBrk="0" hangingPunct="1">
-              <a:lnSpc>
-                <a:spcPct val="90000"/>
-              </a:lnSpc>
-              <a:spcBef>
-                <a:spcPts val="500"/>
-              </a:spcBef>
-              <a:buFont typeface="Arial" panose="020B0604020202020204" pitchFamily="34" charset="0"/>
-              <a:buChar char="•"/>
-              <a:defRPr sz="2400" b="0" i="0" kern="1200">
-                <a:solidFill>
-                  <a:schemeClr val="bg1"/>
-                </a:solidFill>
-                <a:latin typeface="+mn-lt"/>
-                <a:ea typeface="+mn-ea"/>
-                <a:cs typeface="+mn-cs"/>
-              </a:defRPr>
-            </a:lvl2pPr>
-            <a:lvl3pPr marL="1143000" indent="-228600" algn="l" defTabSz="914400" rtl="0" eaLnBrk="1" latinLnBrk="0" hangingPunct="1">
-              <a:lnSpc>
-                <a:spcPct val="90000"/>
-              </a:lnSpc>
-              <a:spcBef>
-                <a:spcPts val="500"/>
-              </a:spcBef>
-              <a:buFont typeface="Arial" panose="020B0604020202020204" pitchFamily="34" charset="0"/>
-              <a:buChar char="•"/>
-              <a:defRPr sz="2000" b="0" i="0" kern="1200">
-                <a:solidFill>
-                  <a:schemeClr val="bg1"/>
-                </a:solidFill>
-                <a:latin typeface="+mn-lt"/>
-                <a:ea typeface="+mn-ea"/>
-                <a:cs typeface="+mn-cs"/>
-              </a:defRPr>
-            </a:lvl3pPr>
-            <a:lvl4pPr marL="1600200" indent="-228600" algn="l" defTabSz="914400" rtl="0" eaLnBrk="1" latinLnBrk="0" hangingPunct="1">
-              <a:lnSpc>
-                <a:spcPct val="90000"/>
-              </a:lnSpc>
-              <a:spcBef>
-                <a:spcPts val="500"/>
-              </a:spcBef>
-              <a:buFont typeface="Arial" panose="020B0604020202020204" pitchFamily="34" charset="0"/>
-              <a:buChar char="•"/>
-              <a:defRPr sz="1800" b="0" i="0" kern="1200">
-                <a:solidFill>
-                  <a:schemeClr val="bg1"/>
-                </a:solidFill>
-                <a:latin typeface="+mn-lt"/>
-                <a:ea typeface="+mn-ea"/>
-                <a:cs typeface="+mn-cs"/>
-              </a:defRPr>
-            </a:lvl4pPr>
-            <a:lvl5pPr marL="2057400" indent="-228600" algn="l" defTabSz="914400" rtl="0" eaLnBrk="1" latinLnBrk="0" hangingPunct="1">
-              <a:lnSpc>
-                <a:spcPct val="90000"/>
-              </a:lnSpc>
-              <a:spcBef>
-                <a:spcPts val="500"/>
-              </a:spcBef>
-              <a:buFont typeface="Arial" panose="020B0604020202020204" pitchFamily="34" charset="0"/>
-              <a:buChar char="•"/>
-              <a:defRPr sz="1800" b="0" i="0" kern="1200">
-                <a:solidFill>
-                  <a:schemeClr val="bg1"/>
-                </a:solidFill>
-                <a:latin typeface="+mn-lt"/>
-                <a:ea typeface="+mn-ea"/>
-                <a:cs typeface="+mn-cs"/>
-              </a:defRPr>
-            </a:lvl5pPr>
-            <a:lvl6pPr marL="2514600" indent="-228600" algn="l" defTabSz="914400" rtl="0" eaLnBrk="1" latinLnBrk="0" hangingPunct="1">
-              <a:lnSpc>
-                <a:spcPct val="90000"/>
-              </a:lnSpc>
-              <a:spcBef>
-                <a:spcPts val="500"/>
-              </a:spcBef>
-              <a:buFont typeface="Arial" panose="020B0604020202020204" pitchFamily="34" charset="0"/>
-              <a:buChar char="•"/>
-              <a:defRPr sz="1800" kern="1200">
-                <a:solidFill>
-                  <a:schemeClr val="tx1"/>
-                </a:solidFill>
-                <a:latin typeface="+mn-lt"/>
-                <a:ea typeface="+mn-ea"/>
-                <a:cs typeface="+mn-cs"/>
-              </a:defRPr>
-            </a:lvl6pPr>
-            <a:lvl7pPr marL="2971800" indent="-228600" algn="l" defTabSz="914400" rtl="0" eaLnBrk="1" latinLnBrk="0" hangingPunct="1">
-              <a:lnSpc>
-                <a:spcPct val="90000"/>
-              </a:lnSpc>
-              <a:spcBef>
-                <a:spcPts val="500"/>
-              </a:spcBef>
-              <a:buFont typeface="Arial" panose="020B0604020202020204" pitchFamily="34" charset="0"/>
-              <a:buChar char="•"/>
-              <a:defRPr sz="1800" kern="1200">
-                <a:solidFill>
-                  <a:schemeClr val="tx1"/>
-                </a:solidFill>
-                <a:latin typeface="+mn-lt"/>
-                <a:ea typeface="+mn-ea"/>
-                <a:cs typeface="+mn-cs"/>
-              </a:defRPr>
-            </a:lvl7pPr>
-            <a:lvl8pPr marL="3429000" indent="-228600" algn="l" defTabSz="914400" rtl="0" eaLnBrk="1" latinLnBrk="0" hangingPunct="1">
-              <a:lnSpc>
-                <a:spcPct val="90000"/>
-              </a:lnSpc>
-              <a:spcBef>
-                <a:spcPts val="500"/>
-              </a:spcBef>
-              <a:buFont typeface="Arial" panose="020B0604020202020204" pitchFamily="34" charset="0"/>
-              <a:buChar char="•"/>
-              <a:defRPr sz="1800" kern="1200">
-                <a:solidFill>
-                  <a:schemeClr val="tx1"/>
-                </a:solidFill>
-                <a:latin typeface="+mn-lt"/>
-                <a:ea typeface="+mn-ea"/>
-                <a:cs typeface="+mn-cs"/>
-              </a:defRPr>
-            </a:lvl8pPr>
-            <a:lvl9pPr marL="3886200" indent="-228600" algn="l" defTabSz="914400" rtl="0" eaLnBrk="1" latinLnBrk="0" hangingPunct="1">
-              <a:lnSpc>
-                <a:spcPct val="90000"/>
-              </a:lnSpc>
-              <a:spcBef>
-                <a:spcPts val="500"/>
-              </a:spcBef>
-              <a:buFont typeface="Arial" panose="020B0604020202020204" pitchFamily="34" charset="0"/>
-              <a:buChar char="•"/>
-              <a:defRPr sz="1800" kern="1200">
-                <a:solidFill>
-                  <a:schemeClr val="tx1"/>
-                </a:solidFill>
-                <a:latin typeface="+mn-lt"/>
-                <a:ea typeface="+mn-ea"/>
-                <a:cs typeface="+mn-cs"/>
-              </a:defRPr>
-            </a:lvl9pPr>
-          </a:lstStyle>
-          <a:p>
-            <a:pPr marL="0" indent="0">
-              <a:buFont typeface="Arial" panose="020B0604020202020204" pitchFamily="34" charset="0"/>
-              <a:buNone/>
-            </a:pPr>
-            <a:r>
-              <a:rPr lang="en-US" dirty="0">
-                <a:solidFill>
-                  <a:schemeClr val="bg1"/>
-                </a:solidFill>
-              </a:rPr>
-              <a:t>Exeter (non-prime auto loans)</a:t>
-            </a:r>
-          </a:p>
-          <a:p>
-            <a:pPr marL="0" indent="0">
-              <a:buFont typeface="Arial" panose="020B0604020202020204" pitchFamily="34" charset="0"/>
-              <a:buNone/>
-            </a:pPr>
-            <a:endParaRPr lang="en-US" dirty="0">
-              <a:solidFill>
-                <a:schemeClr val="bg1"/>
-              </a:solidFill>
-            </a:endParaRPr>
-          </a:p>
-        </p:txBody>
-      </p:sp>
-      <p:sp>
-        <p:nvSpPr>
-          <p:cNvPr id="19" name="TextBox 18">
-            <a:extLst>
-              <a:ext uri="{FF2B5EF4-FFF2-40B4-BE49-F238E27FC236}">
-                <a16:creationId xmlns:a16="http://schemas.microsoft.com/office/drawing/2014/main" id="{5026AF13-2E88-635A-4CF9-A9F34AB2DD50}"/>
-              </a:ext>
-            </a:extLst>
-          </p:cNvPr>
-          <p:cNvSpPr txBox="1"/>
-          <p:nvPr/>
-        </p:nvSpPr>
-        <p:spPr>
-          <a:xfrm>
-            <a:off x="964023" y="5635860"/>
-            <a:ext cx="4483769" cy="369332"/>
-          </a:xfrm>
-          <a:prstGeom prst="rect">
-            <a:avLst/>
-          </a:prstGeom>
-          <a:noFill/>
-        </p:spPr>
-        <p:txBody>
-          <a:bodyPr wrap="square" rtlCol="0">
-            <a:spAutoFit/>
-          </a:bodyPr>
-          <a:lstStyle/>
-          <a:p>
-            <a:r>
-              <a:rPr lang="en-US" dirty="0">
-                <a:solidFill>
-                  <a:schemeClr val="bg1"/>
-                </a:solidFill>
-              </a:rPr>
-              <a:t>Source: </a:t>
-            </a:r>
-            <a:r>
-              <a:rPr lang="en-US" dirty="0" err="1">
-                <a:solidFill>
-                  <a:schemeClr val="bg1"/>
-                </a:solidFill>
-              </a:rPr>
-              <a:t>Finsight</a:t>
-            </a:r>
-            <a:endParaRPr lang="en-US" dirty="0">
-              <a:solidFill>
-                <a:schemeClr val="bg1"/>
-              </a:solidFill>
-            </a:endParaRPr>
-          </a:p>
-        </p:txBody>
-      </p:sp>
       <p:pic>
         <p:nvPicPr>
           <p:cNvPr id="6" name="Picture 5">
@@ -20514,7 +19866,7 @@
 </p:sld>
 </file>
 
-<file path=ppt/slides/slide9.xml><?xml version="1.0" encoding="utf-8"?>
+<file path=ppt/slides/slide8.xml><?xml version="1.0" encoding="utf-8"?>
 <p:sld xmlns:a="http://schemas.openxmlformats.org/drawingml/2006/main" xmlns:r="http://schemas.openxmlformats.org/officeDocument/2006/relationships" xmlns:p="http://schemas.openxmlformats.org/presentationml/2006/main">
   <p:cSld>
     <p:spTree>
@@ -20654,6 +20006,218 @@
     <p:extLst>
       <p:ext uri="{BB962C8B-B14F-4D97-AF65-F5344CB8AC3E}">
         <p14:creationId xmlns:p14="http://schemas.microsoft.com/office/powerpoint/2010/main" val="4082334003"/>
+      </p:ext>
+    </p:extLst>
+  </p:cSld>
+  <p:clrMapOvr>
+    <a:masterClrMapping/>
+  </p:clrMapOvr>
+</p:sld>
+</file>
+
+<file path=ppt/slides/slide9.xml><?xml version="1.0" encoding="utf-8"?>
+<p:sld xmlns:a="http://schemas.openxmlformats.org/drawingml/2006/main" xmlns:r="http://schemas.openxmlformats.org/officeDocument/2006/relationships" xmlns:p="http://schemas.openxmlformats.org/presentationml/2006/main">
+  <p:cSld>
+    <p:spTree>
+      <p:nvGrpSpPr>
+        <p:cNvPr id="1" name=""/>
+        <p:cNvGrpSpPr/>
+        <p:nvPr/>
+      </p:nvGrpSpPr>
+      <p:grpSpPr>
+        <a:xfrm>
+          <a:off x="0" y="0"/>
+          <a:ext cx="0" cy="0"/>
+          <a:chOff x="0" y="0"/>
+          <a:chExt cx="0" cy="0"/>
+        </a:xfrm>
+      </p:grpSpPr>
+      <p:sp>
+        <p:nvSpPr>
+          <p:cNvPr id="2" name="Chart Placeholder 1">
+            <a:extLst>
+              <a:ext uri="{FF2B5EF4-FFF2-40B4-BE49-F238E27FC236}">
+                <a16:creationId xmlns:a16="http://schemas.microsoft.com/office/drawing/2014/main" id="{88015C28-1B07-716D-D8E5-FE38E19E03E0}"/>
+              </a:ext>
+            </a:extLst>
+          </p:cNvPr>
+          <p:cNvSpPr>
+            <a:spLocks noGrp="1"/>
+          </p:cNvSpPr>
+          <p:nvPr>
+            <p:ph type="chart" sz="quarter" idx="10"/>
+          </p:nvPr>
+        </p:nvSpPr>
+        <p:spPr/>
+        <p:txBody>
+          <a:bodyPr/>
+          <a:lstStyle/>
+          <a:p>
+            <a:r>
+              <a:rPr lang="en-US" dirty="0">
+                <a:solidFill>
+                  <a:schemeClr val="bg1"/>
+                </a:solidFill>
+              </a:rPr>
+              <a:t>Online lending platform</a:t>
+            </a:r>
+          </a:p>
+          <a:p>
+            <a:r>
+              <a:rPr lang="en-US" dirty="0">
+                <a:solidFill>
+                  <a:schemeClr val="bg1"/>
+                </a:solidFill>
+              </a:rPr>
+              <a:t>Focuses on non-prime borrowers that would not be able to get a loan from a traditional bank</a:t>
+            </a:r>
+          </a:p>
+          <a:p>
+            <a:r>
+              <a:rPr lang="en-US" dirty="0">
+                <a:solidFill>
+                  <a:schemeClr val="bg1"/>
+                </a:solidFill>
+              </a:rPr>
+              <a:t>Offers various products (auto loans, personal loans, credit cards)</a:t>
+            </a:r>
+          </a:p>
+          <a:p>
+            <a:r>
+              <a:rPr lang="en-US" dirty="0">
+                <a:solidFill>
+                  <a:schemeClr val="bg1"/>
+                </a:solidFill>
+              </a:rPr>
+              <a:t>Average APR on loans originated in 2022 -&gt; 26%</a:t>
+            </a:r>
+          </a:p>
+          <a:p>
+            <a:r>
+              <a:rPr lang="en-US" dirty="0" err="1">
+                <a:solidFill>
+                  <a:schemeClr val="bg1"/>
+                </a:solidFill>
+              </a:rPr>
+              <a:t>OneMain</a:t>
+            </a:r>
+            <a:r>
+              <a:rPr lang="en-US" dirty="0">
+                <a:solidFill>
+                  <a:schemeClr val="bg1"/>
+                </a:solidFill>
+              </a:rPr>
+              <a:t> has securitized ~ $3.5 billion in last one year</a:t>
+            </a:r>
+          </a:p>
+          <a:p>
+            <a:pPr lvl="1"/>
+            <a:r>
+              <a:rPr lang="en-US" dirty="0"/>
+              <a:t>~ $3 billion in consumer</a:t>
+            </a:r>
+            <a:endParaRPr lang="en-US" dirty="0">
+              <a:solidFill>
+                <a:schemeClr val="bg1"/>
+              </a:solidFill>
+            </a:endParaRPr>
+          </a:p>
+        </p:txBody>
+      </p:sp>
+      <p:sp>
+        <p:nvSpPr>
+          <p:cNvPr id="3" name="Title 2">
+            <a:extLst>
+              <a:ext uri="{FF2B5EF4-FFF2-40B4-BE49-F238E27FC236}">
+                <a16:creationId xmlns:a16="http://schemas.microsoft.com/office/drawing/2014/main" id="{7240007A-0010-F7C6-9F32-73DCC662536B}"/>
+              </a:ext>
+            </a:extLst>
+          </p:cNvPr>
+          <p:cNvSpPr>
+            <a:spLocks noGrp="1"/>
+          </p:cNvSpPr>
+          <p:nvPr>
+            <p:ph type="title"/>
+          </p:nvPr>
+        </p:nvSpPr>
+        <p:spPr/>
+        <p:txBody>
+          <a:bodyPr/>
+          <a:lstStyle/>
+          <a:p>
+            <a:r>
+              <a:rPr lang="en-US" dirty="0" err="1"/>
+              <a:t>OneMain</a:t>
+            </a:r>
+            <a:endParaRPr lang="en-US" dirty="0"/>
+          </a:p>
+        </p:txBody>
+      </p:sp>
+      <p:sp>
+        <p:nvSpPr>
+          <p:cNvPr id="4" name="Footer Placeholder 3">
+            <a:extLst>
+              <a:ext uri="{FF2B5EF4-FFF2-40B4-BE49-F238E27FC236}">
+                <a16:creationId xmlns:a16="http://schemas.microsoft.com/office/drawing/2014/main" id="{337C55C5-9C7B-6DA2-B103-570774505A1A}"/>
+              </a:ext>
+            </a:extLst>
+          </p:cNvPr>
+          <p:cNvSpPr>
+            <a:spLocks noGrp="1"/>
+          </p:cNvSpPr>
+          <p:nvPr>
+            <p:ph type="ftr" sz="quarter" idx="12"/>
+          </p:nvPr>
+        </p:nvSpPr>
+        <p:spPr/>
+        <p:txBody>
+          <a:bodyPr/>
+          <a:lstStyle/>
+          <a:p>
+            <a:r>
+              <a:rPr lang="en-US"/>
+              <a:t>OneMain Consumer Loan Review</a:t>
+            </a:r>
+            <a:endParaRPr lang="en-US" b="0" dirty="0"/>
+          </a:p>
+        </p:txBody>
+      </p:sp>
+      <p:sp>
+        <p:nvSpPr>
+          <p:cNvPr id="5" name="Slide Number Placeholder 4">
+            <a:extLst>
+              <a:ext uri="{FF2B5EF4-FFF2-40B4-BE49-F238E27FC236}">
+                <a16:creationId xmlns:a16="http://schemas.microsoft.com/office/drawing/2014/main" id="{960506D4-11DC-ED00-1F4D-81EC4AD4F32C}"/>
+              </a:ext>
+            </a:extLst>
+          </p:cNvPr>
+          <p:cNvSpPr>
+            <a:spLocks noGrp="1"/>
+          </p:cNvSpPr>
+          <p:nvPr>
+            <p:ph type="sldNum" sz="quarter" idx="13"/>
+          </p:nvPr>
+        </p:nvSpPr>
+        <p:spPr/>
+        <p:txBody>
+          <a:bodyPr/>
+          <a:lstStyle/>
+          <a:p>
+            <a:fld id="{294A09A9-5501-47C1-A89A-A340965A2BE2}" type="slidenum">
+              <a:rPr lang="en-US" smtClean="0"/>
+              <a:pPr/>
+              <a:t>9</a:t>
+            </a:fld>
+            <a:endParaRPr lang="en-US" dirty="0">
+              <a:latin typeface="+mn-lt"/>
+            </a:endParaRPr>
+          </a:p>
+        </p:txBody>
+      </p:sp>
+    </p:spTree>
+    <p:extLst>
+      <p:ext uri="{BB962C8B-B14F-4D97-AF65-F5344CB8AC3E}">
+        <p14:creationId xmlns:p14="http://schemas.microsoft.com/office/powerpoint/2010/main" val="407369832"/>
       </p:ext>
     </p:extLst>
   </p:cSld>
@@ -21475,6 +21039,15 @@
 </file>
 
 <file path=customXml/item2.xml><?xml version="1.0" encoding="utf-8"?>
+<?mso-contentType ?>
+<FormTemplates xmlns="http://schemas.microsoft.com/sharepoint/v3/contenttype/forms">
+  <Display>DocumentLibraryForm</Display>
+  <Edit>DocumentLibraryForm</Edit>
+  <New>DocumentLibraryForm</New>
+</FormTemplates>
+</file>
+
+<file path=customXml/item3.xml><?xml version="1.0" encoding="utf-8"?>
 <ct:contentTypeSchema xmlns:ct="http://schemas.microsoft.com/office/2006/metadata/contentType" xmlns:ma="http://schemas.microsoft.com/office/2006/metadata/properties/metaAttributes" ct:_="" ma:_="" ma:contentTypeName="Document" ma:contentTypeID="0x01010079F111ED35F8CC479449609E8A0923A6" ma:contentTypeVersion="28" ma:contentTypeDescription="Create a new document." ma:contentTypeScope="" ma:versionID="60f5a4f2d2b0abadcf532d48ebf9cb71">
   <xsd:schema xmlns:xsd="http://www.w3.org/2001/XMLSchema" xmlns:xs="http://www.w3.org/2001/XMLSchema" xmlns:p="http://schemas.microsoft.com/office/2006/metadata/properties" xmlns:ns1="http://schemas.microsoft.com/sharepoint/v3" xmlns:ns2="71af3243-3dd4-4a8d-8c0d-dd76da1f02a5" xmlns:ns3="16c05727-aa75-4e4a-9b5f-8a80a1165891" xmlns:ns4="230e9df3-be65-4c73-a93b-d1236ebd677e" targetNamespace="http://schemas.microsoft.com/office/2006/metadata/properties" ma:root="true" ma:fieldsID="7dd78129e6a1811f84807ad11c651531" ns1:_="" ns2:_="" ns3:_="" ns4:_="">
     <xsd:import namespace="http://schemas.microsoft.com/sharepoint/v3"/>
@@ -21786,15 +21359,6 @@
 </ct:contentTypeSchema>
 </file>
 
-<file path=customXml/item3.xml><?xml version="1.0" encoding="utf-8"?>
-<?mso-contentType ?>
-<FormTemplates xmlns="http://schemas.microsoft.com/sharepoint/v3/contenttype/forms">
-  <Display>DocumentLibraryForm</Display>
-  <Edit>DocumentLibraryForm</Edit>
-  <New>DocumentLibraryForm</New>
-</FormTemplates>
-</file>
-
 <file path=customXml/itemProps1.xml><?xml version="1.0" encoding="utf-8"?>
 <ds:datastoreItem xmlns:ds="http://schemas.openxmlformats.org/officeDocument/2006/customXml" ds:itemID="{6CC8E66C-AC30-44BA-8882-3290DF968F1F}">
   <ds:schemaRefs>
@@ -21808,6 +21372,14 @@
 </file>
 
 <file path=customXml/itemProps2.xml><?xml version="1.0" encoding="utf-8"?>
+<ds:datastoreItem xmlns:ds="http://schemas.openxmlformats.org/officeDocument/2006/customXml" ds:itemID="{F1446DA3-37A7-4516-A4F6-8B99D0D312BF}">
+  <ds:schemaRefs>
+    <ds:schemaRef ds:uri="http://schemas.microsoft.com/sharepoint/v3/contenttype/forms"/>
+  </ds:schemaRefs>
+</ds:datastoreItem>
+</file>
+
+<file path=customXml/itemProps3.xml><?xml version="1.0" encoding="utf-8"?>
 <ds:datastoreItem xmlns:ds="http://schemas.openxmlformats.org/officeDocument/2006/customXml" ds:itemID="{A6EBEE06-2B28-4E77-9CB6-A74873B39256}">
   <ds:schemaRefs>
     <ds:schemaRef ds:uri="http://schemas.microsoft.com/office/2006/metadata/contentType"/>
@@ -21828,14 +21400,6 @@
 </ds:datastoreItem>
 </file>
 
-<file path=customXml/itemProps3.xml><?xml version="1.0" encoding="utf-8"?>
-<ds:datastoreItem xmlns:ds="http://schemas.openxmlformats.org/officeDocument/2006/customXml" ds:itemID="{F1446DA3-37A7-4516-A4F6-8B99D0D312BF}">
-  <ds:schemaRefs>
-    <ds:schemaRef ds:uri="http://schemas.microsoft.com/sharepoint/v3/contenttype/forms"/>
-  </ds:schemaRefs>
-</ds:datastoreItem>
-</file>
-
 <file path=docMetadata/LabelInfo.xml><?xml version="1.0" encoding="utf-8"?>
 <clbl:labelList xmlns:clbl="http://schemas.microsoft.com/office/2020/mipLabelMetadata"/>
 </file>